--- a/docs/assets/fractals/plants/flower.pptx
+++ b/docs/assets/fractals/plants/flower.pptx
@@ -4,10 +4,13 @@
   <p:sldMasterIdLst>
     <p:sldMasterId id="2147483660" r:id="rId1"/>
   </p:sldMasterIdLst>
+  <p:notesMasterIdLst>
+    <p:notesMasterId r:id="rId3"/>
+  </p:notesMasterIdLst>
   <p:sldIdLst>
     <p:sldId id="256" r:id="rId2"/>
   </p:sldIdLst>
-  <p:sldSz cx="6480175" cy="6480175"/>
+  <p:sldSz cx="8640763" cy="8640763"/>
   <p:notesSz cx="6858000" cy="9144000"/>
   <p:defaultTextStyle>
     <a:defPPr>
@@ -112,6 +115,439 @@
 </p:presentation>
 </file>
 
+<file path=ppt/notesMasters/notesMaster1.xml><?xml version="1.0" encoding="utf-8"?>
+<p:notesMaster xmlns:a="http://schemas.openxmlformats.org/drawingml/2006/main" xmlns:r="http://schemas.openxmlformats.org/officeDocument/2006/relationships" xmlns:p="http://schemas.openxmlformats.org/presentationml/2006/main">
+  <p:cSld>
+    <p:bg>
+      <p:bgRef idx="1001">
+        <a:schemeClr val="bg1"/>
+      </p:bgRef>
+    </p:bg>
+    <p:spTree>
+      <p:nvGrpSpPr>
+        <p:cNvPr id="1" name=""/>
+        <p:cNvGrpSpPr/>
+        <p:nvPr/>
+      </p:nvGrpSpPr>
+      <p:grpSpPr>
+        <a:xfrm>
+          <a:off x="0" y="0"/>
+          <a:ext cx="0" cy="0"/>
+          <a:chOff x="0" y="0"/>
+          <a:chExt cx="0" cy="0"/>
+        </a:xfrm>
+      </p:grpSpPr>
+      <p:sp>
+        <p:nvSpPr>
+          <p:cNvPr id="2" name="Header Placeholder 1"/>
+          <p:cNvSpPr>
+            <a:spLocks noGrp="1"/>
+          </p:cNvSpPr>
+          <p:nvPr>
+            <p:ph type="hdr" sz="quarter"/>
+          </p:nvPr>
+        </p:nvSpPr>
+        <p:spPr>
+          <a:xfrm>
+            <a:off x="0" y="0"/>
+            <a:ext cx="2971800" cy="458788"/>
+          </a:xfrm>
+          <a:prstGeom prst="rect">
+            <a:avLst/>
+          </a:prstGeom>
+        </p:spPr>
+        <p:txBody>
+          <a:bodyPr vert="horz" lIns="91440" tIns="45720" rIns="91440" bIns="45720" rtlCol="0"/>
+          <a:lstStyle>
+            <a:lvl1pPr algn="l">
+              <a:defRPr sz="1200"/>
+            </a:lvl1pPr>
+          </a:lstStyle>
+          <a:p>
+            <a:endParaRPr lang="en-GB"/>
+          </a:p>
+        </p:txBody>
+      </p:sp>
+      <p:sp>
+        <p:nvSpPr>
+          <p:cNvPr id="3" name="Date Placeholder 2"/>
+          <p:cNvSpPr>
+            <a:spLocks noGrp="1"/>
+          </p:cNvSpPr>
+          <p:nvPr>
+            <p:ph type="dt" idx="1"/>
+          </p:nvPr>
+        </p:nvSpPr>
+        <p:spPr>
+          <a:xfrm>
+            <a:off x="3884613" y="0"/>
+            <a:ext cx="2971800" cy="458788"/>
+          </a:xfrm>
+          <a:prstGeom prst="rect">
+            <a:avLst/>
+          </a:prstGeom>
+        </p:spPr>
+        <p:txBody>
+          <a:bodyPr vert="horz" lIns="91440" tIns="45720" rIns="91440" bIns="45720" rtlCol="0"/>
+          <a:lstStyle>
+            <a:lvl1pPr algn="r">
+              <a:defRPr sz="1200"/>
+            </a:lvl1pPr>
+          </a:lstStyle>
+          <a:p>
+            <a:fld id="{E9D213C8-AA20-A142-9D5D-A4E0DE35CCBE}" type="datetimeFigureOut">
+              <a:rPr lang="en-GB" smtClean="0"/>
+              <a:t>10/11/2024</a:t>
+            </a:fld>
+            <a:endParaRPr lang="en-GB"/>
+          </a:p>
+        </p:txBody>
+      </p:sp>
+      <p:sp>
+        <p:nvSpPr>
+          <p:cNvPr id="4" name="Slide Image Placeholder 3"/>
+          <p:cNvSpPr>
+            <a:spLocks noGrp="1" noRot="1" noChangeAspect="1"/>
+          </p:cNvSpPr>
+          <p:nvPr>
+            <p:ph type="sldImg" idx="2"/>
+          </p:nvPr>
+        </p:nvSpPr>
+        <p:spPr>
+          <a:xfrm>
+            <a:off x="1885950" y="1143000"/>
+            <a:ext cx="3086100" cy="3086100"/>
+          </a:xfrm>
+          <a:prstGeom prst="rect">
+            <a:avLst/>
+          </a:prstGeom>
+          <a:noFill/>
+          <a:ln w="12700">
+            <a:solidFill>
+              <a:prstClr val="black"/>
+            </a:solidFill>
+          </a:ln>
+        </p:spPr>
+        <p:txBody>
+          <a:bodyPr vert="horz" lIns="91440" tIns="45720" rIns="91440" bIns="45720" rtlCol="0" anchor="ctr"/>
+          <a:lstStyle/>
+          <a:p>
+            <a:endParaRPr lang="en-GB"/>
+          </a:p>
+        </p:txBody>
+      </p:sp>
+      <p:sp>
+        <p:nvSpPr>
+          <p:cNvPr id="5" name="Notes Placeholder 4"/>
+          <p:cNvSpPr>
+            <a:spLocks noGrp="1"/>
+          </p:cNvSpPr>
+          <p:nvPr>
+            <p:ph type="body" sz="quarter" idx="3"/>
+          </p:nvPr>
+        </p:nvSpPr>
+        <p:spPr>
+          <a:xfrm>
+            <a:off x="685800" y="4400550"/>
+            <a:ext cx="5486400" cy="3600450"/>
+          </a:xfrm>
+          <a:prstGeom prst="rect">
+            <a:avLst/>
+          </a:prstGeom>
+        </p:spPr>
+        <p:txBody>
+          <a:bodyPr vert="horz" lIns="91440" tIns="45720" rIns="91440" bIns="45720" rtlCol="0"/>
+          <a:lstStyle/>
+          <a:p>
+            <a:pPr lvl="0"/>
+            <a:r>
+              <a:rPr lang="en-GB"/>
+              <a:t>Click to edit Master text styles</a:t>
+            </a:r>
+          </a:p>
+          <a:p>
+            <a:pPr lvl="1"/>
+            <a:r>
+              <a:rPr lang="en-GB"/>
+              <a:t>Second level</a:t>
+            </a:r>
+          </a:p>
+          <a:p>
+            <a:pPr lvl="2"/>
+            <a:r>
+              <a:rPr lang="en-GB"/>
+              <a:t>Third level</a:t>
+            </a:r>
+          </a:p>
+          <a:p>
+            <a:pPr lvl="3"/>
+            <a:r>
+              <a:rPr lang="en-GB"/>
+              <a:t>Fourth level</a:t>
+            </a:r>
+          </a:p>
+          <a:p>
+            <a:pPr lvl="4"/>
+            <a:r>
+              <a:rPr lang="en-GB"/>
+              <a:t>Fifth level</a:t>
+            </a:r>
+          </a:p>
+        </p:txBody>
+      </p:sp>
+      <p:sp>
+        <p:nvSpPr>
+          <p:cNvPr id="6" name="Footer Placeholder 5"/>
+          <p:cNvSpPr>
+            <a:spLocks noGrp="1"/>
+          </p:cNvSpPr>
+          <p:nvPr>
+            <p:ph type="ftr" sz="quarter" idx="4"/>
+          </p:nvPr>
+        </p:nvSpPr>
+        <p:spPr>
+          <a:xfrm>
+            <a:off x="0" y="8685213"/>
+            <a:ext cx="2971800" cy="458787"/>
+          </a:xfrm>
+          <a:prstGeom prst="rect">
+            <a:avLst/>
+          </a:prstGeom>
+        </p:spPr>
+        <p:txBody>
+          <a:bodyPr vert="horz" lIns="91440" tIns="45720" rIns="91440" bIns="45720" rtlCol="0" anchor="b"/>
+          <a:lstStyle>
+            <a:lvl1pPr algn="l">
+              <a:defRPr sz="1200"/>
+            </a:lvl1pPr>
+          </a:lstStyle>
+          <a:p>
+            <a:endParaRPr lang="en-GB"/>
+          </a:p>
+        </p:txBody>
+      </p:sp>
+      <p:sp>
+        <p:nvSpPr>
+          <p:cNvPr id="7" name="Slide Number Placeholder 6"/>
+          <p:cNvSpPr>
+            <a:spLocks noGrp="1"/>
+          </p:cNvSpPr>
+          <p:nvPr>
+            <p:ph type="sldNum" sz="quarter" idx="5"/>
+          </p:nvPr>
+        </p:nvSpPr>
+        <p:spPr>
+          <a:xfrm>
+            <a:off x="3884613" y="8685213"/>
+            <a:ext cx="2971800" cy="458787"/>
+          </a:xfrm>
+          <a:prstGeom prst="rect">
+            <a:avLst/>
+          </a:prstGeom>
+        </p:spPr>
+        <p:txBody>
+          <a:bodyPr vert="horz" lIns="91440" tIns="45720" rIns="91440" bIns="45720" rtlCol="0" anchor="b"/>
+          <a:lstStyle>
+            <a:lvl1pPr algn="r">
+              <a:defRPr sz="1200"/>
+            </a:lvl1pPr>
+          </a:lstStyle>
+          <a:p>
+            <a:fld id="{9AA79A9B-DDED-334D-AE76-1CA16F379F94}" type="slidenum">
+              <a:rPr lang="en-GB" smtClean="0"/>
+              <a:t>‹#›</a:t>
+            </a:fld>
+            <a:endParaRPr lang="en-GB"/>
+          </a:p>
+        </p:txBody>
+      </p:sp>
+    </p:spTree>
+    <p:extLst>
+      <p:ext uri="{BB962C8B-B14F-4D97-AF65-F5344CB8AC3E}">
+        <p14:creationId xmlns:p14="http://schemas.microsoft.com/office/powerpoint/2010/main" val="276571037"/>
+      </p:ext>
+    </p:extLst>
+  </p:cSld>
+  <p:clrMap bg1="lt1" tx1="dk1" bg2="lt2" tx2="dk2" accent1="accent1" accent2="accent2" accent3="accent3" accent4="accent4" accent5="accent5" accent6="accent6" hlink="hlink" folHlink="folHlink"/>
+  <p:notesStyle>
+    <a:lvl1pPr marL="0" algn="l" defTabSz="914400" rtl="0" eaLnBrk="1" latinLnBrk="0" hangingPunct="1">
+      <a:defRPr sz="1200" kern="1200">
+        <a:solidFill>
+          <a:schemeClr val="tx1"/>
+        </a:solidFill>
+        <a:latin typeface="+mn-lt"/>
+        <a:ea typeface="+mn-ea"/>
+        <a:cs typeface="+mn-cs"/>
+      </a:defRPr>
+    </a:lvl1pPr>
+    <a:lvl2pPr marL="457200" algn="l" defTabSz="914400" rtl="0" eaLnBrk="1" latinLnBrk="0" hangingPunct="1">
+      <a:defRPr sz="1200" kern="1200">
+        <a:solidFill>
+          <a:schemeClr val="tx1"/>
+        </a:solidFill>
+        <a:latin typeface="+mn-lt"/>
+        <a:ea typeface="+mn-ea"/>
+        <a:cs typeface="+mn-cs"/>
+      </a:defRPr>
+    </a:lvl2pPr>
+    <a:lvl3pPr marL="914400" algn="l" defTabSz="914400" rtl="0" eaLnBrk="1" latinLnBrk="0" hangingPunct="1">
+      <a:defRPr sz="1200" kern="1200">
+        <a:solidFill>
+          <a:schemeClr val="tx1"/>
+        </a:solidFill>
+        <a:latin typeface="+mn-lt"/>
+        <a:ea typeface="+mn-ea"/>
+        <a:cs typeface="+mn-cs"/>
+      </a:defRPr>
+    </a:lvl3pPr>
+    <a:lvl4pPr marL="1371600" algn="l" defTabSz="914400" rtl="0" eaLnBrk="1" latinLnBrk="0" hangingPunct="1">
+      <a:defRPr sz="1200" kern="1200">
+        <a:solidFill>
+          <a:schemeClr val="tx1"/>
+        </a:solidFill>
+        <a:latin typeface="+mn-lt"/>
+        <a:ea typeface="+mn-ea"/>
+        <a:cs typeface="+mn-cs"/>
+      </a:defRPr>
+    </a:lvl4pPr>
+    <a:lvl5pPr marL="1828800" algn="l" defTabSz="914400" rtl="0" eaLnBrk="1" latinLnBrk="0" hangingPunct="1">
+      <a:defRPr sz="1200" kern="1200">
+        <a:solidFill>
+          <a:schemeClr val="tx1"/>
+        </a:solidFill>
+        <a:latin typeface="+mn-lt"/>
+        <a:ea typeface="+mn-ea"/>
+        <a:cs typeface="+mn-cs"/>
+      </a:defRPr>
+    </a:lvl5pPr>
+    <a:lvl6pPr marL="2286000" algn="l" defTabSz="914400" rtl="0" eaLnBrk="1" latinLnBrk="0" hangingPunct="1">
+      <a:defRPr sz="1200" kern="1200">
+        <a:solidFill>
+          <a:schemeClr val="tx1"/>
+        </a:solidFill>
+        <a:latin typeface="+mn-lt"/>
+        <a:ea typeface="+mn-ea"/>
+        <a:cs typeface="+mn-cs"/>
+      </a:defRPr>
+    </a:lvl6pPr>
+    <a:lvl7pPr marL="2743200" algn="l" defTabSz="914400" rtl="0" eaLnBrk="1" latinLnBrk="0" hangingPunct="1">
+      <a:defRPr sz="1200" kern="1200">
+        <a:solidFill>
+          <a:schemeClr val="tx1"/>
+        </a:solidFill>
+        <a:latin typeface="+mn-lt"/>
+        <a:ea typeface="+mn-ea"/>
+        <a:cs typeface="+mn-cs"/>
+      </a:defRPr>
+    </a:lvl7pPr>
+    <a:lvl8pPr marL="3200400" algn="l" defTabSz="914400" rtl="0" eaLnBrk="1" latinLnBrk="0" hangingPunct="1">
+      <a:defRPr sz="1200" kern="1200">
+        <a:solidFill>
+          <a:schemeClr val="tx1"/>
+        </a:solidFill>
+        <a:latin typeface="+mn-lt"/>
+        <a:ea typeface="+mn-ea"/>
+        <a:cs typeface="+mn-cs"/>
+      </a:defRPr>
+    </a:lvl8pPr>
+    <a:lvl9pPr marL="3657600" algn="l" defTabSz="914400" rtl="0" eaLnBrk="1" latinLnBrk="0" hangingPunct="1">
+      <a:defRPr sz="1200" kern="1200">
+        <a:solidFill>
+          <a:schemeClr val="tx1"/>
+        </a:solidFill>
+        <a:latin typeface="+mn-lt"/>
+        <a:ea typeface="+mn-ea"/>
+        <a:cs typeface="+mn-cs"/>
+      </a:defRPr>
+    </a:lvl9pPr>
+  </p:notesStyle>
+</p:notesMaster>
+</file>
+
+<file path=ppt/notesSlides/notesSlide1.xml><?xml version="1.0" encoding="utf-8"?>
+<p:notes xmlns:a="http://schemas.openxmlformats.org/drawingml/2006/main" xmlns:r="http://schemas.openxmlformats.org/officeDocument/2006/relationships" xmlns:p="http://schemas.openxmlformats.org/presentationml/2006/main">
+  <p:cSld>
+    <p:spTree>
+      <p:nvGrpSpPr>
+        <p:cNvPr id="1" name=""/>
+        <p:cNvGrpSpPr/>
+        <p:nvPr/>
+      </p:nvGrpSpPr>
+      <p:grpSpPr>
+        <a:xfrm>
+          <a:off x="0" y="0"/>
+          <a:ext cx="0" cy="0"/>
+          <a:chOff x="0" y="0"/>
+          <a:chExt cx="0" cy="0"/>
+        </a:xfrm>
+      </p:grpSpPr>
+      <p:sp>
+        <p:nvSpPr>
+          <p:cNvPr id="2" name="Slide Image Placeholder 1"/>
+          <p:cNvSpPr>
+            <a:spLocks noGrp="1" noRot="1" noChangeAspect="1"/>
+          </p:cNvSpPr>
+          <p:nvPr>
+            <p:ph type="sldImg"/>
+          </p:nvPr>
+        </p:nvSpPr>
+        <p:spPr/>
+      </p:sp>
+      <p:sp>
+        <p:nvSpPr>
+          <p:cNvPr id="3" name="Notes Placeholder 2"/>
+          <p:cNvSpPr>
+            <a:spLocks noGrp="1"/>
+          </p:cNvSpPr>
+          <p:nvPr>
+            <p:ph type="body" idx="1"/>
+          </p:nvPr>
+        </p:nvSpPr>
+        <p:spPr/>
+        <p:txBody>
+          <a:bodyPr/>
+          <a:lstStyle/>
+          <a:p>
+            <a:endParaRPr lang="en-GB" dirty="0"/>
+          </a:p>
+        </p:txBody>
+      </p:sp>
+      <p:sp>
+        <p:nvSpPr>
+          <p:cNvPr id="4" name="Slide Number Placeholder 3"/>
+          <p:cNvSpPr>
+            <a:spLocks noGrp="1"/>
+          </p:cNvSpPr>
+          <p:nvPr>
+            <p:ph type="sldNum" sz="quarter" idx="5"/>
+          </p:nvPr>
+        </p:nvSpPr>
+        <p:spPr/>
+        <p:txBody>
+          <a:bodyPr/>
+          <a:lstStyle/>
+          <a:p>
+            <a:fld id="{9AA79A9B-DDED-334D-AE76-1CA16F379F94}" type="slidenum">
+              <a:rPr lang="en-GB" smtClean="0"/>
+              <a:t>1</a:t>
+            </a:fld>
+            <a:endParaRPr lang="en-GB"/>
+          </a:p>
+        </p:txBody>
+      </p:sp>
+    </p:spTree>
+    <p:extLst>
+      <p:ext uri="{BB962C8B-B14F-4D97-AF65-F5344CB8AC3E}">
+        <p14:creationId xmlns:p14="http://schemas.microsoft.com/office/powerpoint/2010/main" val="2198367501"/>
+      </p:ext>
+    </p:extLst>
+  </p:cSld>
+  <p:clrMapOvr>
+    <a:masterClrMapping/>
+  </p:clrMapOvr>
+</p:notes>
+</file>
+
 <file path=ppt/slideLayouts/slideLayout1.xml><?xml version="1.0" encoding="utf-8"?>
 <p:sldLayout xmlns:a="http://schemas.openxmlformats.org/drawingml/2006/main" xmlns:r="http://schemas.openxmlformats.org/officeDocument/2006/relationships" xmlns:p="http://schemas.openxmlformats.org/presentationml/2006/main" type="title" preserve="1">
   <p:cSld name="Title Slide">
@@ -141,15 +577,15 @@
         </p:nvSpPr>
         <p:spPr>
           <a:xfrm>
-            <a:off x="486013" y="1060529"/>
-            <a:ext cx="5508149" cy="2256061"/>
+            <a:off x="648057" y="1414125"/>
+            <a:ext cx="7344649" cy="3008266"/>
           </a:xfrm>
         </p:spPr>
         <p:txBody>
           <a:bodyPr anchor="b"/>
           <a:lstStyle>
             <a:lvl1pPr algn="ctr">
-              <a:defRPr sz="4252"/>
+              <a:defRPr sz="5670"/>
             </a:lvl1pPr>
           </a:lstStyle>
           <a:p>
@@ -173,8 +609,8 @@
         </p:nvSpPr>
         <p:spPr>
           <a:xfrm>
-            <a:off x="810022" y="3403592"/>
-            <a:ext cx="4860131" cy="1564542"/>
+            <a:off x="1080096" y="4538401"/>
+            <a:ext cx="6480572" cy="2086184"/>
           </a:xfrm>
         </p:spPr>
         <p:txBody>
@@ -182,39 +618,39 @@
           <a:lstStyle>
             <a:lvl1pPr marL="0" indent="0" algn="ctr">
               <a:buNone/>
+              <a:defRPr sz="2268"/>
+            </a:lvl1pPr>
+            <a:lvl2pPr marL="432054" indent="0" algn="ctr">
+              <a:buNone/>
+              <a:defRPr sz="1890"/>
+            </a:lvl2pPr>
+            <a:lvl3pPr marL="864108" indent="0" algn="ctr">
+              <a:buNone/>
               <a:defRPr sz="1701"/>
-            </a:lvl1pPr>
-            <a:lvl2pPr marL="324018" indent="0" algn="ctr">
-              <a:buNone/>
-              <a:defRPr sz="1417"/>
-            </a:lvl2pPr>
-            <a:lvl3pPr marL="648035" indent="0" algn="ctr">
-              <a:buNone/>
-              <a:defRPr sz="1276"/>
             </a:lvl3pPr>
-            <a:lvl4pPr marL="972053" indent="0" algn="ctr">
-              <a:buNone/>
-              <a:defRPr sz="1134"/>
+            <a:lvl4pPr marL="1296162" indent="0" algn="ctr">
+              <a:buNone/>
+              <a:defRPr sz="1512"/>
             </a:lvl4pPr>
-            <a:lvl5pPr marL="1296071" indent="0" algn="ctr">
-              <a:buNone/>
-              <a:defRPr sz="1134"/>
+            <a:lvl5pPr marL="1728216" indent="0" algn="ctr">
+              <a:buNone/>
+              <a:defRPr sz="1512"/>
             </a:lvl5pPr>
-            <a:lvl6pPr marL="1620088" indent="0" algn="ctr">
-              <a:buNone/>
-              <a:defRPr sz="1134"/>
+            <a:lvl6pPr marL="2160270" indent="0" algn="ctr">
+              <a:buNone/>
+              <a:defRPr sz="1512"/>
             </a:lvl6pPr>
-            <a:lvl7pPr marL="1944106" indent="0" algn="ctr">
-              <a:buNone/>
-              <a:defRPr sz="1134"/>
+            <a:lvl7pPr marL="2592324" indent="0" algn="ctr">
+              <a:buNone/>
+              <a:defRPr sz="1512"/>
             </a:lvl7pPr>
-            <a:lvl8pPr marL="2268123" indent="0" algn="ctr">
-              <a:buNone/>
-              <a:defRPr sz="1134"/>
+            <a:lvl8pPr marL="3024378" indent="0" algn="ctr">
+              <a:buNone/>
+              <a:defRPr sz="1512"/>
             </a:lvl8pPr>
-            <a:lvl9pPr marL="2592141" indent="0" algn="ctr">
-              <a:buNone/>
-              <a:defRPr sz="1134"/>
+            <a:lvl9pPr marL="3456432" indent="0" algn="ctr">
+              <a:buNone/>
+              <a:defRPr sz="1512"/>
             </a:lvl9pPr>
           </a:lstStyle>
           <a:p>
@@ -241,9 +677,9 @@
           <a:bodyPr/>
           <a:lstStyle/>
           <a:p>
-            <a:fld id="{21D7086C-0C4C-3449-91FA-3D214E3305F6}" type="datetimeFigureOut">
+            <a:fld id="{DBC211FB-220A-394A-90E0-58F6C6FB99B4}" type="datetimeFigureOut">
               <a:rPr lang="en-GB" smtClean="0"/>
-              <a:t>17/08/2024</a:t>
+              <a:t>10/11/2024</a:t>
             </a:fld>
             <a:endParaRPr lang="en-GB"/>
           </a:p>
@@ -283,7 +719,7 @@
           <a:bodyPr/>
           <a:lstStyle/>
           <a:p>
-            <a:fld id="{D3D7AD41-138F-3A4A-92AF-8958CD0899A2}" type="slidenum">
+            <a:fld id="{ED899E67-1D3D-9649-BB3F-411B0645DDB4}" type="slidenum">
               <a:rPr lang="en-GB" smtClean="0"/>
               <a:t>‹#›</a:t>
             </a:fld>
@@ -294,7 +730,7 @@
     </p:spTree>
     <p:extLst>
       <p:ext uri="{BB962C8B-B14F-4D97-AF65-F5344CB8AC3E}">
-        <p14:creationId xmlns:p14="http://schemas.microsoft.com/office/powerpoint/2010/main" val="4196860581"/>
+        <p14:creationId xmlns:p14="http://schemas.microsoft.com/office/powerpoint/2010/main" val="4186375186"/>
       </p:ext>
     </p:extLst>
   </p:cSld>
@@ -411,9 +847,9 @@
           <a:bodyPr/>
           <a:lstStyle/>
           <a:p>
-            <a:fld id="{21D7086C-0C4C-3449-91FA-3D214E3305F6}" type="datetimeFigureOut">
+            <a:fld id="{DBC211FB-220A-394A-90E0-58F6C6FB99B4}" type="datetimeFigureOut">
               <a:rPr lang="en-GB" smtClean="0"/>
-              <a:t>17/08/2024</a:t>
+              <a:t>10/11/2024</a:t>
             </a:fld>
             <a:endParaRPr lang="en-GB"/>
           </a:p>
@@ -453,7 +889,7 @@
           <a:bodyPr/>
           <a:lstStyle/>
           <a:p>
-            <a:fld id="{D3D7AD41-138F-3A4A-92AF-8958CD0899A2}" type="slidenum">
+            <a:fld id="{ED899E67-1D3D-9649-BB3F-411B0645DDB4}" type="slidenum">
               <a:rPr lang="en-GB" smtClean="0"/>
               <a:t>‹#›</a:t>
             </a:fld>
@@ -464,7 +900,7 @@
     </p:spTree>
     <p:extLst>
       <p:ext uri="{BB962C8B-B14F-4D97-AF65-F5344CB8AC3E}">
-        <p14:creationId xmlns:p14="http://schemas.microsoft.com/office/powerpoint/2010/main" val="2958084052"/>
+        <p14:creationId xmlns:p14="http://schemas.microsoft.com/office/powerpoint/2010/main" val="46621009"/>
       </p:ext>
     </p:extLst>
   </p:cSld>
@@ -503,8 +939,8 @@
         </p:nvSpPr>
         <p:spPr>
           <a:xfrm>
-            <a:off x="4637375" y="345009"/>
-            <a:ext cx="1397288" cy="5491649"/>
+            <a:off x="6183546" y="460041"/>
+            <a:ext cx="1863165" cy="7322647"/>
           </a:xfrm>
         </p:spPr>
         <p:txBody>
@@ -531,8 +967,8 @@
         </p:nvSpPr>
         <p:spPr>
           <a:xfrm>
-            <a:off x="445512" y="345009"/>
-            <a:ext cx="4110861" cy="5491649"/>
+            <a:off x="594053" y="460041"/>
+            <a:ext cx="5481484" cy="7322647"/>
           </a:xfrm>
         </p:spPr>
         <p:txBody>
@@ -591,9 +1027,9 @@
           <a:bodyPr/>
           <a:lstStyle/>
           <a:p>
-            <a:fld id="{21D7086C-0C4C-3449-91FA-3D214E3305F6}" type="datetimeFigureOut">
+            <a:fld id="{DBC211FB-220A-394A-90E0-58F6C6FB99B4}" type="datetimeFigureOut">
               <a:rPr lang="en-GB" smtClean="0"/>
-              <a:t>17/08/2024</a:t>
+              <a:t>10/11/2024</a:t>
             </a:fld>
             <a:endParaRPr lang="en-GB"/>
           </a:p>
@@ -633,7 +1069,7 @@
           <a:bodyPr/>
           <a:lstStyle/>
           <a:p>
-            <a:fld id="{D3D7AD41-138F-3A4A-92AF-8958CD0899A2}" type="slidenum">
+            <a:fld id="{ED899E67-1D3D-9649-BB3F-411B0645DDB4}" type="slidenum">
               <a:rPr lang="en-GB" smtClean="0"/>
               <a:t>‹#›</a:t>
             </a:fld>
@@ -644,7 +1080,7 @@
     </p:spTree>
     <p:extLst>
       <p:ext uri="{BB962C8B-B14F-4D97-AF65-F5344CB8AC3E}">
-        <p14:creationId xmlns:p14="http://schemas.microsoft.com/office/powerpoint/2010/main" val="3223351715"/>
+        <p14:creationId xmlns:p14="http://schemas.microsoft.com/office/powerpoint/2010/main" val="2386767921"/>
       </p:ext>
     </p:extLst>
   </p:cSld>
@@ -761,9 +1197,9 @@
           <a:bodyPr/>
           <a:lstStyle/>
           <a:p>
-            <a:fld id="{21D7086C-0C4C-3449-91FA-3D214E3305F6}" type="datetimeFigureOut">
+            <a:fld id="{DBC211FB-220A-394A-90E0-58F6C6FB99B4}" type="datetimeFigureOut">
               <a:rPr lang="en-GB" smtClean="0"/>
-              <a:t>17/08/2024</a:t>
+              <a:t>10/11/2024</a:t>
             </a:fld>
             <a:endParaRPr lang="en-GB"/>
           </a:p>
@@ -803,7 +1239,7 @@
           <a:bodyPr/>
           <a:lstStyle/>
           <a:p>
-            <a:fld id="{D3D7AD41-138F-3A4A-92AF-8958CD0899A2}" type="slidenum">
+            <a:fld id="{ED899E67-1D3D-9649-BB3F-411B0645DDB4}" type="slidenum">
               <a:rPr lang="en-GB" smtClean="0"/>
               <a:t>‹#›</a:t>
             </a:fld>
@@ -814,7 +1250,7 @@
     </p:spTree>
     <p:extLst>
       <p:ext uri="{BB962C8B-B14F-4D97-AF65-F5344CB8AC3E}">
-        <p14:creationId xmlns:p14="http://schemas.microsoft.com/office/powerpoint/2010/main" val="1098005890"/>
+        <p14:creationId xmlns:p14="http://schemas.microsoft.com/office/powerpoint/2010/main" val="2469952297"/>
       </p:ext>
     </p:extLst>
   </p:cSld>
@@ -853,15 +1289,15 @@
         </p:nvSpPr>
         <p:spPr>
           <a:xfrm>
-            <a:off x="442137" y="1615546"/>
-            <a:ext cx="5589151" cy="2695572"/>
+            <a:off x="589553" y="2154193"/>
+            <a:ext cx="7452658" cy="3594317"/>
           </a:xfrm>
         </p:spPr>
         <p:txBody>
           <a:bodyPr anchor="b"/>
           <a:lstStyle>
             <a:lvl1pPr>
-              <a:defRPr sz="4252"/>
+              <a:defRPr sz="5670"/>
             </a:lvl1pPr>
           </a:lstStyle>
           <a:p>
@@ -885,8 +1321,8 @@
         </p:nvSpPr>
         <p:spPr>
           <a:xfrm>
-            <a:off x="442137" y="4336619"/>
-            <a:ext cx="5589151" cy="1417538"/>
+            <a:off x="589553" y="5782513"/>
+            <a:ext cx="7452658" cy="1890166"/>
           </a:xfrm>
         </p:spPr>
         <p:txBody>
@@ -894,15 +1330,15 @@
           <a:lstStyle>
             <a:lvl1pPr marL="0" indent="0">
               <a:buNone/>
-              <a:defRPr sz="1701">
+              <a:defRPr sz="2268">
                 <a:solidFill>
                   <a:schemeClr val="tx1"/>
                 </a:solidFill>
               </a:defRPr>
             </a:lvl1pPr>
-            <a:lvl2pPr marL="324018" indent="0">
-              <a:buNone/>
-              <a:defRPr sz="1417">
+            <a:lvl2pPr marL="432054" indent="0">
+              <a:buNone/>
+              <a:defRPr sz="1890">
                 <a:solidFill>
                   <a:schemeClr val="tx1">
                     <a:tint val="75000"/>
@@ -910,9 +1346,9 @@
                 </a:solidFill>
               </a:defRPr>
             </a:lvl2pPr>
-            <a:lvl3pPr marL="648035" indent="0">
-              <a:buNone/>
-              <a:defRPr sz="1276">
+            <a:lvl3pPr marL="864108" indent="0">
+              <a:buNone/>
+              <a:defRPr sz="1701">
                 <a:solidFill>
                   <a:schemeClr val="tx1">
                     <a:tint val="75000"/>
@@ -920,9 +1356,9 @@
                 </a:solidFill>
               </a:defRPr>
             </a:lvl3pPr>
-            <a:lvl4pPr marL="972053" indent="0">
-              <a:buNone/>
-              <a:defRPr sz="1134">
+            <a:lvl4pPr marL="1296162" indent="0">
+              <a:buNone/>
+              <a:defRPr sz="1512">
                 <a:solidFill>
                   <a:schemeClr val="tx1">
                     <a:tint val="75000"/>
@@ -930,9 +1366,9 @@
                 </a:solidFill>
               </a:defRPr>
             </a:lvl4pPr>
-            <a:lvl5pPr marL="1296071" indent="0">
-              <a:buNone/>
-              <a:defRPr sz="1134">
+            <a:lvl5pPr marL="1728216" indent="0">
+              <a:buNone/>
+              <a:defRPr sz="1512">
                 <a:solidFill>
                   <a:schemeClr val="tx1">
                     <a:tint val="75000"/>
@@ -940,9 +1376,9 @@
                 </a:solidFill>
               </a:defRPr>
             </a:lvl5pPr>
-            <a:lvl6pPr marL="1620088" indent="0">
-              <a:buNone/>
-              <a:defRPr sz="1134">
+            <a:lvl6pPr marL="2160270" indent="0">
+              <a:buNone/>
+              <a:defRPr sz="1512">
                 <a:solidFill>
                   <a:schemeClr val="tx1">
                     <a:tint val="75000"/>
@@ -950,9 +1386,9 @@
                 </a:solidFill>
               </a:defRPr>
             </a:lvl6pPr>
-            <a:lvl7pPr marL="1944106" indent="0">
-              <a:buNone/>
-              <a:defRPr sz="1134">
+            <a:lvl7pPr marL="2592324" indent="0">
+              <a:buNone/>
+              <a:defRPr sz="1512">
                 <a:solidFill>
                   <a:schemeClr val="tx1">
                     <a:tint val="75000"/>
@@ -960,9 +1396,9 @@
                 </a:solidFill>
               </a:defRPr>
             </a:lvl7pPr>
-            <a:lvl8pPr marL="2268123" indent="0">
-              <a:buNone/>
-              <a:defRPr sz="1134">
+            <a:lvl8pPr marL="3024378" indent="0">
+              <a:buNone/>
+              <a:defRPr sz="1512">
                 <a:solidFill>
                   <a:schemeClr val="tx1">
                     <a:tint val="75000"/>
@@ -970,9 +1406,9 @@
                 </a:solidFill>
               </a:defRPr>
             </a:lvl8pPr>
-            <a:lvl9pPr marL="2592141" indent="0">
-              <a:buNone/>
-              <a:defRPr sz="1134">
+            <a:lvl9pPr marL="3456432" indent="0">
+              <a:buNone/>
+              <a:defRPr sz="1512">
                 <a:solidFill>
                   <a:schemeClr val="tx1">
                     <a:tint val="75000"/>
@@ -1005,9 +1441,9 @@
           <a:bodyPr/>
           <a:lstStyle/>
           <a:p>
-            <a:fld id="{21D7086C-0C4C-3449-91FA-3D214E3305F6}" type="datetimeFigureOut">
+            <a:fld id="{DBC211FB-220A-394A-90E0-58F6C6FB99B4}" type="datetimeFigureOut">
               <a:rPr lang="en-GB" smtClean="0"/>
-              <a:t>17/08/2024</a:t>
+              <a:t>10/11/2024</a:t>
             </a:fld>
             <a:endParaRPr lang="en-GB"/>
           </a:p>
@@ -1047,7 +1483,7 @@
           <a:bodyPr/>
           <a:lstStyle/>
           <a:p>
-            <a:fld id="{D3D7AD41-138F-3A4A-92AF-8958CD0899A2}" type="slidenum">
+            <a:fld id="{ED899E67-1D3D-9649-BB3F-411B0645DDB4}" type="slidenum">
               <a:rPr lang="en-GB" smtClean="0"/>
               <a:t>‹#›</a:t>
             </a:fld>
@@ -1058,7 +1494,7 @@
     </p:spTree>
     <p:extLst>
       <p:ext uri="{BB962C8B-B14F-4D97-AF65-F5344CB8AC3E}">
-        <p14:creationId xmlns:p14="http://schemas.microsoft.com/office/powerpoint/2010/main" val="440836362"/>
+        <p14:creationId xmlns:p14="http://schemas.microsoft.com/office/powerpoint/2010/main" val="2816820929"/>
       </p:ext>
     </p:extLst>
   </p:cSld>
@@ -1120,8 +1556,8 @@
         </p:nvSpPr>
         <p:spPr>
           <a:xfrm>
-            <a:off x="445512" y="1725046"/>
-            <a:ext cx="2754074" cy="4111612"/>
+            <a:off x="594053" y="2300203"/>
+            <a:ext cx="3672324" cy="5482485"/>
           </a:xfrm>
         </p:spPr>
         <p:txBody>
@@ -1177,8 +1613,8 @@
         </p:nvSpPr>
         <p:spPr>
           <a:xfrm>
-            <a:off x="3280589" y="1725046"/>
-            <a:ext cx="2754074" cy="4111612"/>
+            <a:off x="4374386" y="2300203"/>
+            <a:ext cx="3672324" cy="5482485"/>
           </a:xfrm>
         </p:spPr>
         <p:txBody>
@@ -1237,9 +1673,9 @@
           <a:bodyPr/>
           <a:lstStyle/>
           <a:p>
-            <a:fld id="{21D7086C-0C4C-3449-91FA-3D214E3305F6}" type="datetimeFigureOut">
+            <a:fld id="{DBC211FB-220A-394A-90E0-58F6C6FB99B4}" type="datetimeFigureOut">
               <a:rPr lang="en-GB" smtClean="0"/>
-              <a:t>17/08/2024</a:t>
+              <a:t>10/11/2024</a:t>
             </a:fld>
             <a:endParaRPr lang="en-GB"/>
           </a:p>
@@ -1279,7 +1715,7 @@
           <a:bodyPr/>
           <a:lstStyle/>
           <a:p>
-            <a:fld id="{D3D7AD41-138F-3A4A-92AF-8958CD0899A2}" type="slidenum">
+            <a:fld id="{ED899E67-1D3D-9649-BB3F-411B0645DDB4}" type="slidenum">
               <a:rPr lang="en-GB" smtClean="0"/>
               <a:t>‹#›</a:t>
             </a:fld>
@@ -1290,7 +1726,7 @@
     </p:spTree>
     <p:extLst>
       <p:ext uri="{BB962C8B-B14F-4D97-AF65-F5344CB8AC3E}">
-        <p14:creationId xmlns:p14="http://schemas.microsoft.com/office/powerpoint/2010/main" val="1081711510"/>
+        <p14:creationId xmlns:p14="http://schemas.microsoft.com/office/powerpoint/2010/main" val="1453267425"/>
       </p:ext>
     </p:extLst>
   </p:cSld>
@@ -1329,8 +1765,8 @@
         </p:nvSpPr>
         <p:spPr>
           <a:xfrm>
-            <a:off x="446356" y="345011"/>
-            <a:ext cx="5589151" cy="1252534"/>
+            <a:off x="595178" y="460043"/>
+            <a:ext cx="7452658" cy="1670148"/>
           </a:xfrm>
         </p:spPr>
         <p:txBody>
@@ -1357,8 +1793,8 @@
         </p:nvSpPr>
         <p:spPr>
           <a:xfrm>
-            <a:off x="446357" y="1588543"/>
-            <a:ext cx="2741417" cy="778521"/>
+            <a:off x="595179" y="2118188"/>
+            <a:ext cx="3655447" cy="1038091"/>
           </a:xfrm>
         </p:spPr>
         <p:txBody>
@@ -1366,39 +1802,39 @@
           <a:lstStyle>
             <a:lvl1pPr marL="0" indent="0">
               <a:buNone/>
+              <a:defRPr sz="2268" b="1"/>
+            </a:lvl1pPr>
+            <a:lvl2pPr marL="432054" indent="0">
+              <a:buNone/>
+              <a:defRPr sz="1890" b="1"/>
+            </a:lvl2pPr>
+            <a:lvl3pPr marL="864108" indent="0">
+              <a:buNone/>
               <a:defRPr sz="1701" b="1"/>
-            </a:lvl1pPr>
-            <a:lvl2pPr marL="324018" indent="0">
-              <a:buNone/>
-              <a:defRPr sz="1417" b="1"/>
-            </a:lvl2pPr>
-            <a:lvl3pPr marL="648035" indent="0">
-              <a:buNone/>
-              <a:defRPr sz="1276" b="1"/>
             </a:lvl3pPr>
-            <a:lvl4pPr marL="972053" indent="0">
-              <a:buNone/>
-              <a:defRPr sz="1134" b="1"/>
+            <a:lvl4pPr marL="1296162" indent="0">
+              <a:buNone/>
+              <a:defRPr sz="1512" b="1"/>
             </a:lvl4pPr>
-            <a:lvl5pPr marL="1296071" indent="0">
-              <a:buNone/>
-              <a:defRPr sz="1134" b="1"/>
+            <a:lvl5pPr marL="1728216" indent="0">
+              <a:buNone/>
+              <a:defRPr sz="1512" b="1"/>
             </a:lvl5pPr>
-            <a:lvl6pPr marL="1620088" indent="0">
-              <a:buNone/>
-              <a:defRPr sz="1134" b="1"/>
+            <a:lvl6pPr marL="2160270" indent="0">
+              <a:buNone/>
+              <a:defRPr sz="1512" b="1"/>
             </a:lvl6pPr>
-            <a:lvl7pPr marL="1944106" indent="0">
-              <a:buNone/>
-              <a:defRPr sz="1134" b="1"/>
+            <a:lvl7pPr marL="2592324" indent="0">
+              <a:buNone/>
+              <a:defRPr sz="1512" b="1"/>
             </a:lvl7pPr>
-            <a:lvl8pPr marL="2268123" indent="0">
-              <a:buNone/>
-              <a:defRPr sz="1134" b="1"/>
+            <a:lvl8pPr marL="3024378" indent="0">
+              <a:buNone/>
+              <a:defRPr sz="1512" b="1"/>
             </a:lvl8pPr>
-            <a:lvl9pPr marL="2592141" indent="0">
-              <a:buNone/>
-              <a:defRPr sz="1134" b="1"/>
+            <a:lvl9pPr marL="3456432" indent="0">
+              <a:buNone/>
+              <a:defRPr sz="1512" b="1"/>
             </a:lvl9pPr>
           </a:lstStyle>
           <a:p>
@@ -1422,8 +1858,8 @@
         </p:nvSpPr>
         <p:spPr>
           <a:xfrm>
-            <a:off x="446357" y="2367064"/>
-            <a:ext cx="2741417" cy="3481594"/>
+            <a:off x="595179" y="3156278"/>
+            <a:ext cx="3655447" cy="4642411"/>
           </a:xfrm>
         </p:spPr>
         <p:txBody>
@@ -1479,8 +1915,8 @@
         </p:nvSpPr>
         <p:spPr>
           <a:xfrm>
-            <a:off x="3280589" y="1588543"/>
-            <a:ext cx="2754918" cy="778521"/>
+            <a:off x="4374387" y="2118188"/>
+            <a:ext cx="3673450" cy="1038091"/>
           </a:xfrm>
         </p:spPr>
         <p:txBody>
@@ -1488,39 +1924,39 @@
           <a:lstStyle>
             <a:lvl1pPr marL="0" indent="0">
               <a:buNone/>
+              <a:defRPr sz="2268" b="1"/>
+            </a:lvl1pPr>
+            <a:lvl2pPr marL="432054" indent="0">
+              <a:buNone/>
+              <a:defRPr sz="1890" b="1"/>
+            </a:lvl2pPr>
+            <a:lvl3pPr marL="864108" indent="0">
+              <a:buNone/>
               <a:defRPr sz="1701" b="1"/>
-            </a:lvl1pPr>
-            <a:lvl2pPr marL="324018" indent="0">
-              <a:buNone/>
-              <a:defRPr sz="1417" b="1"/>
-            </a:lvl2pPr>
-            <a:lvl3pPr marL="648035" indent="0">
-              <a:buNone/>
-              <a:defRPr sz="1276" b="1"/>
             </a:lvl3pPr>
-            <a:lvl4pPr marL="972053" indent="0">
-              <a:buNone/>
-              <a:defRPr sz="1134" b="1"/>
+            <a:lvl4pPr marL="1296162" indent="0">
+              <a:buNone/>
+              <a:defRPr sz="1512" b="1"/>
             </a:lvl4pPr>
-            <a:lvl5pPr marL="1296071" indent="0">
-              <a:buNone/>
-              <a:defRPr sz="1134" b="1"/>
+            <a:lvl5pPr marL="1728216" indent="0">
+              <a:buNone/>
+              <a:defRPr sz="1512" b="1"/>
             </a:lvl5pPr>
-            <a:lvl6pPr marL="1620088" indent="0">
-              <a:buNone/>
-              <a:defRPr sz="1134" b="1"/>
+            <a:lvl6pPr marL="2160270" indent="0">
+              <a:buNone/>
+              <a:defRPr sz="1512" b="1"/>
             </a:lvl6pPr>
-            <a:lvl7pPr marL="1944106" indent="0">
-              <a:buNone/>
-              <a:defRPr sz="1134" b="1"/>
+            <a:lvl7pPr marL="2592324" indent="0">
+              <a:buNone/>
+              <a:defRPr sz="1512" b="1"/>
             </a:lvl7pPr>
-            <a:lvl8pPr marL="2268123" indent="0">
-              <a:buNone/>
-              <a:defRPr sz="1134" b="1"/>
+            <a:lvl8pPr marL="3024378" indent="0">
+              <a:buNone/>
+              <a:defRPr sz="1512" b="1"/>
             </a:lvl8pPr>
-            <a:lvl9pPr marL="2592141" indent="0">
-              <a:buNone/>
-              <a:defRPr sz="1134" b="1"/>
+            <a:lvl9pPr marL="3456432" indent="0">
+              <a:buNone/>
+              <a:defRPr sz="1512" b="1"/>
             </a:lvl9pPr>
           </a:lstStyle>
           <a:p>
@@ -1544,8 +1980,8 @@
         </p:nvSpPr>
         <p:spPr>
           <a:xfrm>
-            <a:off x="3280589" y="2367064"/>
-            <a:ext cx="2754918" cy="3481594"/>
+            <a:off x="4374387" y="3156278"/>
+            <a:ext cx="3673450" cy="4642411"/>
           </a:xfrm>
         </p:spPr>
         <p:txBody>
@@ -1604,9 +2040,9 @@
           <a:bodyPr/>
           <a:lstStyle/>
           <a:p>
-            <a:fld id="{21D7086C-0C4C-3449-91FA-3D214E3305F6}" type="datetimeFigureOut">
+            <a:fld id="{DBC211FB-220A-394A-90E0-58F6C6FB99B4}" type="datetimeFigureOut">
               <a:rPr lang="en-GB" smtClean="0"/>
-              <a:t>17/08/2024</a:t>
+              <a:t>10/11/2024</a:t>
             </a:fld>
             <a:endParaRPr lang="en-GB"/>
           </a:p>
@@ -1646,7 +2082,7 @@
           <a:bodyPr/>
           <a:lstStyle/>
           <a:p>
-            <a:fld id="{D3D7AD41-138F-3A4A-92AF-8958CD0899A2}" type="slidenum">
+            <a:fld id="{ED899E67-1D3D-9649-BB3F-411B0645DDB4}" type="slidenum">
               <a:rPr lang="en-GB" smtClean="0"/>
               <a:t>‹#›</a:t>
             </a:fld>
@@ -1657,7 +2093,7 @@
     </p:spTree>
     <p:extLst>
       <p:ext uri="{BB962C8B-B14F-4D97-AF65-F5344CB8AC3E}">
-        <p14:creationId xmlns:p14="http://schemas.microsoft.com/office/powerpoint/2010/main" val="284176324"/>
+        <p14:creationId xmlns:p14="http://schemas.microsoft.com/office/powerpoint/2010/main" val="3177393078"/>
       </p:ext>
     </p:extLst>
   </p:cSld>
@@ -1722,9 +2158,9 @@
           <a:bodyPr/>
           <a:lstStyle/>
           <a:p>
-            <a:fld id="{21D7086C-0C4C-3449-91FA-3D214E3305F6}" type="datetimeFigureOut">
+            <a:fld id="{DBC211FB-220A-394A-90E0-58F6C6FB99B4}" type="datetimeFigureOut">
               <a:rPr lang="en-GB" smtClean="0"/>
-              <a:t>17/08/2024</a:t>
+              <a:t>10/11/2024</a:t>
             </a:fld>
             <a:endParaRPr lang="en-GB"/>
           </a:p>
@@ -1764,7 +2200,7 @@
           <a:bodyPr/>
           <a:lstStyle/>
           <a:p>
-            <a:fld id="{D3D7AD41-138F-3A4A-92AF-8958CD0899A2}" type="slidenum">
+            <a:fld id="{ED899E67-1D3D-9649-BB3F-411B0645DDB4}" type="slidenum">
               <a:rPr lang="en-GB" smtClean="0"/>
               <a:t>‹#›</a:t>
             </a:fld>
@@ -1775,7 +2211,7 @@
     </p:spTree>
     <p:extLst>
       <p:ext uri="{BB962C8B-B14F-4D97-AF65-F5344CB8AC3E}">
-        <p14:creationId xmlns:p14="http://schemas.microsoft.com/office/powerpoint/2010/main" val="2316270716"/>
+        <p14:creationId xmlns:p14="http://schemas.microsoft.com/office/powerpoint/2010/main" val="2160505893"/>
       </p:ext>
     </p:extLst>
   </p:cSld>
@@ -1817,9 +2253,9 @@
           <a:bodyPr/>
           <a:lstStyle/>
           <a:p>
-            <a:fld id="{21D7086C-0C4C-3449-91FA-3D214E3305F6}" type="datetimeFigureOut">
+            <a:fld id="{DBC211FB-220A-394A-90E0-58F6C6FB99B4}" type="datetimeFigureOut">
               <a:rPr lang="en-GB" smtClean="0"/>
-              <a:t>17/08/2024</a:t>
+              <a:t>10/11/2024</a:t>
             </a:fld>
             <a:endParaRPr lang="en-GB"/>
           </a:p>
@@ -1859,7 +2295,7 @@
           <a:bodyPr/>
           <a:lstStyle/>
           <a:p>
-            <a:fld id="{D3D7AD41-138F-3A4A-92AF-8958CD0899A2}" type="slidenum">
+            <a:fld id="{ED899E67-1D3D-9649-BB3F-411B0645DDB4}" type="slidenum">
               <a:rPr lang="en-GB" smtClean="0"/>
               <a:t>‹#›</a:t>
             </a:fld>
@@ -1870,7 +2306,7 @@
     </p:spTree>
     <p:extLst>
       <p:ext uri="{BB962C8B-B14F-4D97-AF65-F5344CB8AC3E}">
-        <p14:creationId xmlns:p14="http://schemas.microsoft.com/office/powerpoint/2010/main" val="4232016753"/>
+        <p14:creationId xmlns:p14="http://schemas.microsoft.com/office/powerpoint/2010/main" val="1414189740"/>
       </p:ext>
     </p:extLst>
   </p:cSld>
@@ -1909,15 +2345,15 @@
         </p:nvSpPr>
         <p:spPr>
           <a:xfrm>
-            <a:off x="446356" y="432012"/>
-            <a:ext cx="2090025" cy="1512041"/>
+            <a:off x="595178" y="576051"/>
+            <a:ext cx="2786871" cy="2016178"/>
           </a:xfrm>
         </p:spPr>
         <p:txBody>
           <a:bodyPr anchor="b"/>
           <a:lstStyle>
             <a:lvl1pPr>
-              <a:defRPr sz="2268"/>
+              <a:defRPr sz="3024"/>
             </a:lvl1pPr>
           </a:lstStyle>
           <a:p>
@@ -1941,39 +2377,39 @@
         </p:nvSpPr>
         <p:spPr>
           <a:xfrm>
-            <a:off x="2754918" y="933027"/>
-            <a:ext cx="3280589" cy="4605124"/>
+            <a:off x="3673450" y="1244112"/>
+            <a:ext cx="4374386" cy="6140542"/>
           </a:xfrm>
         </p:spPr>
         <p:txBody>
           <a:bodyPr/>
           <a:lstStyle>
             <a:lvl1pPr>
-              <a:defRPr sz="2268"/>
+              <a:defRPr sz="3024"/>
             </a:lvl1pPr>
             <a:lvl2pPr>
-              <a:defRPr sz="1984"/>
+              <a:defRPr sz="2646"/>
             </a:lvl2pPr>
             <a:lvl3pPr>
-              <a:defRPr sz="1701"/>
+              <a:defRPr sz="2268"/>
             </a:lvl3pPr>
             <a:lvl4pPr>
-              <a:defRPr sz="1417"/>
+              <a:defRPr sz="1890"/>
             </a:lvl4pPr>
             <a:lvl5pPr>
-              <a:defRPr sz="1417"/>
+              <a:defRPr sz="1890"/>
             </a:lvl5pPr>
             <a:lvl6pPr>
-              <a:defRPr sz="1417"/>
+              <a:defRPr sz="1890"/>
             </a:lvl6pPr>
             <a:lvl7pPr>
-              <a:defRPr sz="1417"/>
+              <a:defRPr sz="1890"/>
             </a:lvl7pPr>
             <a:lvl8pPr>
-              <a:defRPr sz="1417"/>
+              <a:defRPr sz="1890"/>
             </a:lvl8pPr>
             <a:lvl9pPr>
-              <a:defRPr sz="1417"/>
+              <a:defRPr sz="1890"/>
             </a:lvl9pPr>
           </a:lstStyle>
           <a:p>
@@ -2026,8 +2462,8 @@
         </p:nvSpPr>
         <p:spPr>
           <a:xfrm>
-            <a:off x="446356" y="1944052"/>
-            <a:ext cx="2090025" cy="3601598"/>
+            <a:off x="595178" y="2592229"/>
+            <a:ext cx="2786871" cy="4802425"/>
           </a:xfrm>
         </p:spPr>
         <p:txBody>
@@ -2035,39 +2471,39 @@
           <a:lstStyle>
             <a:lvl1pPr marL="0" indent="0">
               <a:buNone/>
+              <a:defRPr sz="1512"/>
+            </a:lvl1pPr>
+            <a:lvl2pPr marL="432054" indent="0">
+              <a:buNone/>
+              <a:defRPr sz="1323"/>
+            </a:lvl2pPr>
+            <a:lvl3pPr marL="864108" indent="0">
+              <a:buNone/>
               <a:defRPr sz="1134"/>
-            </a:lvl1pPr>
-            <a:lvl2pPr marL="324018" indent="0">
-              <a:buNone/>
-              <a:defRPr sz="992"/>
-            </a:lvl2pPr>
-            <a:lvl3pPr marL="648035" indent="0">
-              <a:buNone/>
-              <a:defRPr sz="850"/>
             </a:lvl3pPr>
-            <a:lvl4pPr marL="972053" indent="0">
-              <a:buNone/>
-              <a:defRPr sz="709"/>
+            <a:lvl4pPr marL="1296162" indent="0">
+              <a:buNone/>
+              <a:defRPr sz="945"/>
             </a:lvl4pPr>
-            <a:lvl5pPr marL="1296071" indent="0">
-              <a:buNone/>
-              <a:defRPr sz="709"/>
+            <a:lvl5pPr marL="1728216" indent="0">
+              <a:buNone/>
+              <a:defRPr sz="945"/>
             </a:lvl5pPr>
-            <a:lvl6pPr marL="1620088" indent="0">
-              <a:buNone/>
-              <a:defRPr sz="709"/>
+            <a:lvl6pPr marL="2160270" indent="0">
+              <a:buNone/>
+              <a:defRPr sz="945"/>
             </a:lvl6pPr>
-            <a:lvl7pPr marL="1944106" indent="0">
-              <a:buNone/>
-              <a:defRPr sz="709"/>
+            <a:lvl7pPr marL="2592324" indent="0">
+              <a:buNone/>
+              <a:defRPr sz="945"/>
             </a:lvl7pPr>
-            <a:lvl8pPr marL="2268123" indent="0">
-              <a:buNone/>
-              <a:defRPr sz="709"/>
+            <a:lvl8pPr marL="3024378" indent="0">
+              <a:buNone/>
+              <a:defRPr sz="945"/>
             </a:lvl8pPr>
-            <a:lvl9pPr marL="2592141" indent="0">
-              <a:buNone/>
-              <a:defRPr sz="709"/>
+            <a:lvl9pPr marL="3456432" indent="0">
+              <a:buNone/>
+              <a:defRPr sz="945"/>
             </a:lvl9pPr>
           </a:lstStyle>
           <a:p>
@@ -2094,9 +2530,9 @@
           <a:bodyPr/>
           <a:lstStyle/>
           <a:p>
-            <a:fld id="{21D7086C-0C4C-3449-91FA-3D214E3305F6}" type="datetimeFigureOut">
+            <a:fld id="{DBC211FB-220A-394A-90E0-58F6C6FB99B4}" type="datetimeFigureOut">
               <a:rPr lang="en-GB" smtClean="0"/>
-              <a:t>17/08/2024</a:t>
+              <a:t>10/11/2024</a:t>
             </a:fld>
             <a:endParaRPr lang="en-GB"/>
           </a:p>
@@ -2136,7 +2572,7 @@
           <a:bodyPr/>
           <a:lstStyle/>
           <a:p>
-            <a:fld id="{D3D7AD41-138F-3A4A-92AF-8958CD0899A2}" type="slidenum">
+            <a:fld id="{ED899E67-1D3D-9649-BB3F-411B0645DDB4}" type="slidenum">
               <a:rPr lang="en-GB" smtClean="0"/>
               <a:t>‹#›</a:t>
             </a:fld>
@@ -2147,7 +2583,7 @@
     </p:spTree>
     <p:extLst>
       <p:ext uri="{BB962C8B-B14F-4D97-AF65-F5344CB8AC3E}">
-        <p14:creationId xmlns:p14="http://schemas.microsoft.com/office/powerpoint/2010/main" val="1924138900"/>
+        <p14:creationId xmlns:p14="http://schemas.microsoft.com/office/powerpoint/2010/main" val="797459573"/>
       </p:ext>
     </p:extLst>
   </p:cSld>
@@ -2186,15 +2622,15 @@
         </p:nvSpPr>
         <p:spPr>
           <a:xfrm>
-            <a:off x="446356" y="432012"/>
-            <a:ext cx="2090025" cy="1512041"/>
+            <a:off x="595178" y="576051"/>
+            <a:ext cx="2786871" cy="2016178"/>
           </a:xfrm>
         </p:spPr>
         <p:txBody>
           <a:bodyPr anchor="b"/>
           <a:lstStyle>
             <a:lvl1pPr>
-              <a:defRPr sz="2268"/>
+              <a:defRPr sz="3024"/>
             </a:lvl1pPr>
           </a:lstStyle>
           <a:p>
@@ -2218,8 +2654,8 @@
         </p:nvSpPr>
         <p:spPr>
           <a:xfrm>
-            <a:off x="2754918" y="933027"/>
-            <a:ext cx="3280589" cy="4605124"/>
+            <a:off x="3673450" y="1244112"/>
+            <a:ext cx="4374386" cy="6140542"/>
           </a:xfrm>
         </p:spPr>
         <p:txBody>
@@ -2227,39 +2663,39 @@
           <a:lstStyle>
             <a:lvl1pPr marL="0" indent="0">
               <a:buNone/>
+              <a:defRPr sz="3024"/>
+            </a:lvl1pPr>
+            <a:lvl2pPr marL="432054" indent="0">
+              <a:buNone/>
+              <a:defRPr sz="2646"/>
+            </a:lvl2pPr>
+            <a:lvl3pPr marL="864108" indent="0">
+              <a:buNone/>
               <a:defRPr sz="2268"/>
-            </a:lvl1pPr>
-            <a:lvl2pPr marL="324018" indent="0">
-              <a:buNone/>
-              <a:defRPr sz="1984"/>
-            </a:lvl2pPr>
-            <a:lvl3pPr marL="648035" indent="0">
-              <a:buNone/>
-              <a:defRPr sz="1701"/>
             </a:lvl3pPr>
-            <a:lvl4pPr marL="972053" indent="0">
-              <a:buNone/>
-              <a:defRPr sz="1417"/>
+            <a:lvl4pPr marL="1296162" indent="0">
+              <a:buNone/>
+              <a:defRPr sz="1890"/>
             </a:lvl4pPr>
-            <a:lvl5pPr marL="1296071" indent="0">
-              <a:buNone/>
-              <a:defRPr sz="1417"/>
+            <a:lvl5pPr marL="1728216" indent="0">
+              <a:buNone/>
+              <a:defRPr sz="1890"/>
             </a:lvl5pPr>
-            <a:lvl6pPr marL="1620088" indent="0">
-              <a:buNone/>
-              <a:defRPr sz="1417"/>
+            <a:lvl6pPr marL="2160270" indent="0">
+              <a:buNone/>
+              <a:defRPr sz="1890"/>
             </a:lvl6pPr>
-            <a:lvl7pPr marL="1944106" indent="0">
-              <a:buNone/>
-              <a:defRPr sz="1417"/>
+            <a:lvl7pPr marL="2592324" indent="0">
+              <a:buNone/>
+              <a:defRPr sz="1890"/>
             </a:lvl7pPr>
-            <a:lvl8pPr marL="2268123" indent="0">
-              <a:buNone/>
-              <a:defRPr sz="1417"/>
+            <a:lvl8pPr marL="3024378" indent="0">
+              <a:buNone/>
+              <a:defRPr sz="1890"/>
             </a:lvl8pPr>
-            <a:lvl9pPr marL="2592141" indent="0">
-              <a:buNone/>
-              <a:defRPr sz="1417"/>
+            <a:lvl9pPr marL="3456432" indent="0">
+              <a:buNone/>
+              <a:defRPr sz="1890"/>
             </a:lvl9pPr>
           </a:lstStyle>
           <a:p>
@@ -2283,8 +2719,8 @@
         </p:nvSpPr>
         <p:spPr>
           <a:xfrm>
-            <a:off x="446356" y="1944052"/>
-            <a:ext cx="2090025" cy="3601598"/>
+            <a:off x="595178" y="2592229"/>
+            <a:ext cx="2786871" cy="4802425"/>
           </a:xfrm>
         </p:spPr>
         <p:txBody>
@@ -2292,39 +2728,39 @@
           <a:lstStyle>
             <a:lvl1pPr marL="0" indent="0">
               <a:buNone/>
+              <a:defRPr sz="1512"/>
+            </a:lvl1pPr>
+            <a:lvl2pPr marL="432054" indent="0">
+              <a:buNone/>
+              <a:defRPr sz="1323"/>
+            </a:lvl2pPr>
+            <a:lvl3pPr marL="864108" indent="0">
+              <a:buNone/>
               <a:defRPr sz="1134"/>
-            </a:lvl1pPr>
-            <a:lvl2pPr marL="324018" indent="0">
-              <a:buNone/>
-              <a:defRPr sz="992"/>
-            </a:lvl2pPr>
-            <a:lvl3pPr marL="648035" indent="0">
-              <a:buNone/>
-              <a:defRPr sz="850"/>
             </a:lvl3pPr>
-            <a:lvl4pPr marL="972053" indent="0">
-              <a:buNone/>
-              <a:defRPr sz="709"/>
+            <a:lvl4pPr marL="1296162" indent="0">
+              <a:buNone/>
+              <a:defRPr sz="945"/>
             </a:lvl4pPr>
-            <a:lvl5pPr marL="1296071" indent="0">
-              <a:buNone/>
-              <a:defRPr sz="709"/>
+            <a:lvl5pPr marL="1728216" indent="0">
+              <a:buNone/>
+              <a:defRPr sz="945"/>
             </a:lvl5pPr>
-            <a:lvl6pPr marL="1620088" indent="0">
-              <a:buNone/>
-              <a:defRPr sz="709"/>
+            <a:lvl6pPr marL="2160270" indent="0">
+              <a:buNone/>
+              <a:defRPr sz="945"/>
             </a:lvl6pPr>
-            <a:lvl7pPr marL="1944106" indent="0">
-              <a:buNone/>
-              <a:defRPr sz="709"/>
+            <a:lvl7pPr marL="2592324" indent="0">
+              <a:buNone/>
+              <a:defRPr sz="945"/>
             </a:lvl7pPr>
-            <a:lvl8pPr marL="2268123" indent="0">
-              <a:buNone/>
-              <a:defRPr sz="709"/>
+            <a:lvl8pPr marL="3024378" indent="0">
+              <a:buNone/>
+              <a:defRPr sz="945"/>
             </a:lvl8pPr>
-            <a:lvl9pPr marL="2592141" indent="0">
-              <a:buNone/>
-              <a:defRPr sz="709"/>
+            <a:lvl9pPr marL="3456432" indent="0">
+              <a:buNone/>
+              <a:defRPr sz="945"/>
             </a:lvl9pPr>
           </a:lstStyle>
           <a:p>
@@ -2351,9 +2787,9 @@
           <a:bodyPr/>
           <a:lstStyle/>
           <a:p>
-            <a:fld id="{21D7086C-0C4C-3449-91FA-3D214E3305F6}" type="datetimeFigureOut">
+            <a:fld id="{DBC211FB-220A-394A-90E0-58F6C6FB99B4}" type="datetimeFigureOut">
               <a:rPr lang="en-GB" smtClean="0"/>
-              <a:t>17/08/2024</a:t>
+              <a:t>10/11/2024</a:t>
             </a:fld>
             <a:endParaRPr lang="en-GB"/>
           </a:p>
@@ -2393,7 +2829,7 @@
           <a:bodyPr/>
           <a:lstStyle/>
           <a:p>
-            <a:fld id="{D3D7AD41-138F-3A4A-92AF-8958CD0899A2}" type="slidenum">
+            <a:fld id="{ED899E67-1D3D-9649-BB3F-411B0645DDB4}" type="slidenum">
               <a:rPr lang="en-GB" smtClean="0"/>
               <a:t>‹#›</a:t>
             </a:fld>
@@ -2404,7 +2840,7 @@
     </p:spTree>
     <p:extLst>
       <p:ext uri="{BB962C8B-B14F-4D97-AF65-F5344CB8AC3E}">
-        <p14:creationId xmlns:p14="http://schemas.microsoft.com/office/powerpoint/2010/main" val="3244483583"/>
+        <p14:creationId xmlns:p14="http://schemas.microsoft.com/office/powerpoint/2010/main" val="4126951118"/>
       </p:ext>
     </p:extLst>
   </p:cSld>
@@ -2448,8 +2884,8 @@
         </p:nvSpPr>
         <p:spPr>
           <a:xfrm>
-            <a:off x="445512" y="345011"/>
-            <a:ext cx="5589151" cy="1252534"/>
+            <a:off x="594053" y="460043"/>
+            <a:ext cx="7452658" cy="1670148"/>
           </a:xfrm>
           <a:prstGeom prst="rect">
             <a:avLst/>
@@ -2481,8 +2917,8 @@
         </p:nvSpPr>
         <p:spPr>
           <a:xfrm>
-            <a:off x="445512" y="1725046"/>
-            <a:ext cx="5589151" cy="4111612"/>
+            <a:off x="594053" y="2300203"/>
+            <a:ext cx="7452658" cy="5482485"/>
           </a:xfrm>
           <a:prstGeom prst="rect">
             <a:avLst/>
@@ -2543,8 +2979,8 @@
         </p:nvSpPr>
         <p:spPr>
           <a:xfrm>
-            <a:off x="445512" y="6006164"/>
-            <a:ext cx="1458039" cy="345009"/>
+            <a:off x="594052" y="8008709"/>
+            <a:ext cx="1944172" cy="460041"/>
           </a:xfrm>
           <a:prstGeom prst="rect">
             <a:avLst/>
@@ -2554,7 +2990,7 @@
           <a:bodyPr vert="horz" lIns="91440" tIns="45720" rIns="91440" bIns="45720" rtlCol="0" anchor="ctr"/>
           <a:lstStyle>
             <a:lvl1pPr algn="l">
-              <a:defRPr sz="850">
+              <a:defRPr sz="1134">
                 <a:solidFill>
                   <a:schemeClr val="tx1">
                     <a:tint val="75000"/>
@@ -2564,9 +3000,9 @@
             </a:lvl1pPr>
           </a:lstStyle>
           <a:p>
-            <a:fld id="{21D7086C-0C4C-3449-91FA-3D214E3305F6}" type="datetimeFigureOut">
+            <a:fld id="{DBC211FB-220A-394A-90E0-58F6C6FB99B4}" type="datetimeFigureOut">
               <a:rPr lang="en-GB" smtClean="0"/>
-              <a:t>17/08/2024</a:t>
+              <a:t>10/11/2024</a:t>
             </a:fld>
             <a:endParaRPr lang="en-GB"/>
           </a:p>
@@ -2584,8 +3020,8 @@
         </p:nvSpPr>
         <p:spPr>
           <a:xfrm>
-            <a:off x="2146558" y="6006164"/>
-            <a:ext cx="2187059" cy="345009"/>
+            <a:off x="2862253" y="8008709"/>
+            <a:ext cx="2916258" cy="460041"/>
           </a:xfrm>
           <a:prstGeom prst="rect">
             <a:avLst/>
@@ -2595,7 +3031,7 @@
           <a:bodyPr vert="horz" lIns="91440" tIns="45720" rIns="91440" bIns="45720" rtlCol="0" anchor="ctr"/>
           <a:lstStyle>
             <a:lvl1pPr algn="ctr">
-              <a:defRPr sz="850">
+              <a:defRPr sz="1134">
                 <a:solidFill>
                   <a:schemeClr val="tx1">
                     <a:tint val="75000"/>
@@ -2621,8 +3057,8 @@
         </p:nvSpPr>
         <p:spPr>
           <a:xfrm>
-            <a:off x="4576624" y="6006164"/>
-            <a:ext cx="1458039" cy="345009"/>
+            <a:off x="6102539" y="8008709"/>
+            <a:ext cx="1944172" cy="460041"/>
           </a:xfrm>
           <a:prstGeom prst="rect">
             <a:avLst/>
@@ -2632,7 +3068,7 @@
           <a:bodyPr vert="horz" lIns="91440" tIns="45720" rIns="91440" bIns="45720" rtlCol="0" anchor="ctr"/>
           <a:lstStyle>
             <a:lvl1pPr algn="r">
-              <a:defRPr sz="850">
+              <a:defRPr sz="1134">
                 <a:solidFill>
                   <a:schemeClr val="tx1">
                     <a:tint val="75000"/>
@@ -2642,7 +3078,7 @@
             </a:lvl1pPr>
           </a:lstStyle>
           <a:p>
-            <a:fld id="{D3D7AD41-138F-3A4A-92AF-8958CD0899A2}" type="slidenum">
+            <a:fld id="{ED899E67-1D3D-9649-BB3F-411B0645DDB4}" type="slidenum">
               <a:rPr lang="en-GB" smtClean="0"/>
               <a:t>‹#›</a:t>
             </a:fld>
@@ -2653,7 +3089,7 @@
     </p:spTree>
     <p:extLst>
       <p:ext uri="{BB962C8B-B14F-4D97-AF65-F5344CB8AC3E}">
-        <p14:creationId xmlns:p14="http://schemas.microsoft.com/office/powerpoint/2010/main" val="1242378692"/>
+        <p14:creationId xmlns:p14="http://schemas.microsoft.com/office/powerpoint/2010/main" val="3209505420"/>
       </p:ext>
     </p:extLst>
   </p:cSld>
@@ -2673,7 +3109,7 @@
   </p:sldLayoutIdLst>
   <p:txStyles>
     <p:titleStyle>
-      <a:lvl1pPr algn="l" defTabSz="648035" rtl="0" eaLnBrk="1" latinLnBrk="0" hangingPunct="1">
+      <a:lvl1pPr algn="l" defTabSz="864108" rtl="0" eaLnBrk="1" latinLnBrk="0" hangingPunct="1">
         <a:lnSpc>
           <a:spcPct val="90000"/>
         </a:lnSpc>
@@ -2681,7 +3117,7 @@
           <a:spcPct val="0"/>
         </a:spcBef>
         <a:buNone/>
-        <a:defRPr sz="3118" kern="1200">
+        <a:defRPr sz="4158" kern="1200">
           <a:solidFill>
             <a:schemeClr val="tx1"/>
           </a:solidFill>
@@ -2692,16 +3128,16 @@
       </a:lvl1pPr>
     </p:titleStyle>
     <p:bodyStyle>
-      <a:lvl1pPr marL="162009" indent="-162009" algn="l" defTabSz="648035" rtl="0" eaLnBrk="1" latinLnBrk="0" hangingPunct="1">
+      <a:lvl1pPr marL="216027" indent="-216027" algn="l" defTabSz="864108" rtl="0" eaLnBrk="1" latinLnBrk="0" hangingPunct="1">
         <a:lnSpc>
           <a:spcPct val="90000"/>
         </a:lnSpc>
         <a:spcBef>
-          <a:spcPts val="709"/>
+          <a:spcPts val="945"/>
         </a:spcBef>
         <a:buFont typeface="Arial" panose="020B0604020202020204" pitchFamily="34" charset="0"/>
         <a:buChar char="•"/>
-        <a:defRPr sz="1984" kern="1200">
+        <a:defRPr sz="2646" kern="1200">
           <a:solidFill>
             <a:schemeClr val="tx1"/>
           </a:solidFill>
@@ -2710,12 +3146,48 @@
           <a:cs typeface="+mn-cs"/>
         </a:defRPr>
       </a:lvl1pPr>
-      <a:lvl2pPr marL="486026" indent="-162009" algn="l" defTabSz="648035" rtl="0" eaLnBrk="1" latinLnBrk="0" hangingPunct="1">
+      <a:lvl2pPr marL="648081" indent="-216027" algn="l" defTabSz="864108" rtl="0" eaLnBrk="1" latinLnBrk="0" hangingPunct="1">
         <a:lnSpc>
           <a:spcPct val="90000"/>
         </a:lnSpc>
         <a:spcBef>
-          <a:spcPts val="354"/>
+          <a:spcPts val="472"/>
+        </a:spcBef>
+        <a:buFont typeface="Arial" panose="020B0604020202020204" pitchFamily="34" charset="0"/>
+        <a:buChar char="•"/>
+        <a:defRPr sz="2268" kern="1200">
+          <a:solidFill>
+            <a:schemeClr val="tx1"/>
+          </a:solidFill>
+          <a:latin typeface="+mn-lt"/>
+          <a:ea typeface="+mn-ea"/>
+          <a:cs typeface="+mn-cs"/>
+        </a:defRPr>
+      </a:lvl2pPr>
+      <a:lvl3pPr marL="1080135" indent="-216027" algn="l" defTabSz="864108" rtl="0" eaLnBrk="1" latinLnBrk="0" hangingPunct="1">
+        <a:lnSpc>
+          <a:spcPct val="90000"/>
+        </a:lnSpc>
+        <a:spcBef>
+          <a:spcPts val="472"/>
+        </a:spcBef>
+        <a:buFont typeface="Arial" panose="020B0604020202020204" pitchFamily="34" charset="0"/>
+        <a:buChar char="•"/>
+        <a:defRPr sz="1890" kern="1200">
+          <a:solidFill>
+            <a:schemeClr val="tx1"/>
+          </a:solidFill>
+          <a:latin typeface="+mn-lt"/>
+          <a:ea typeface="+mn-ea"/>
+          <a:cs typeface="+mn-cs"/>
+        </a:defRPr>
+      </a:lvl3pPr>
+      <a:lvl4pPr marL="1512189" indent="-216027" algn="l" defTabSz="864108" rtl="0" eaLnBrk="1" latinLnBrk="0" hangingPunct="1">
+        <a:lnSpc>
+          <a:spcPct val="90000"/>
+        </a:lnSpc>
+        <a:spcBef>
+          <a:spcPts val="472"/>
         </a:spcBef>
         <a:buFont typeface="Arial" panose="020B0604020202020204" pitchFamily="34" charset="0"/>
         <a:buChar char="•"/>
@@ -2727,53 +3199,17 @@
           <a:ea typeface="+mn-ea"/>
           <a:cs typeface="+mn-cs"/>
         </a:defRPr>
-      </a:lvl2pPr>
-      <a:lvl3pPr marL="810044" indent="-162009" algn="l" defTabSz="648035" rtl="0" eaLnBrk="1" latinLnBrk="0" hangingPunct="1">
+      </a:lvl4pPr>
+      <a:lvl5pPr marL="1944243" indent="-216027" algn="l" defTabSz="864108" rtl="0" eaLnBrk="1" latinLnBrk="0" hangingPunct="1">
         <a:lnSpc>
           <a:spcPct val="90000"/>
         </a:lnSpc>
         <a:spcBef>
-          <a:spcPts val="354"/>
+          <a:spcPts val="472"/>
         </a:spcBef>
         <a:buFont typeface="Arial" panose="020B0604020202020204" pitchFamily="34" charset="0"/>
         <a:buChar char="•"/>
-        <a:defRPr sz="1417" kern="1200">
-          <a:solidFill>
-            <a:schemeClr val="tx1"/>
-          </a:solidFill>
-          <a:latin typeface="+mn-lt"/>
-          <a:ea typeface="+mn-ea"/>
-          <a:cs typeface="+mn-cs"/>
-        </a:defRPr>
-      </a:lvl3pPr>
-      <a:lvl4pPr marL="1134062" indent="-162009" algn="l" defTabSz="648035" rtl="0" eaLnBrk="1" latinLnBrk="0" hangingPunct="1">
-        <a:lnSpc>
-          <a:spcPct val="90000"/>
-        </a:lnSpc>
-        <a:spcBef>
-          <a:spcPts val="354"/>
-        </a:spcBef>
-        <a:buFont typeface="Arial" panose="020B0604020202020204" pitchFamily="34" charset="0"/>
-        <a:buChar char="•"/>
-        <a:defRPr sz="1276" kern="1200">
-          <a:solidFill>
-            <a:schemeClr val="tx1"/>
-          </a:solidFill>
-          <a:latin typeface="+mn-lt"/>
-          <a:ea typeface="+mn-ea"/>
-          <a:cs typeface="+mn-cs"/>
-        </a:defRPr>
-      </a:lvl4pPr>
-      <a:lvl5pPr marL="1458079" indent="-162009" algn="l" defTabSz="648035" rtl="0" eaLnBrk="1" latinLnBrk="0" hangingPunct="1">
-        <a:lnSpc>
-          <a:spcPct val="90000"/>
-        </a:lnSpc>
-        <a:spcBef>
-          <a:spcPts val="354"/>
-        </a:spcBef>
-        <a:buFont typeface="Arial" panose="020B0604020202020204" pitchFamily="34" charset="0"/>
-        <a:buChar char="•"/>
-        <a:defRPr sz="1276" kern="1200">
+        <a:defRPr sz="1701" kern="1200">
           <a:solidFill>
             <a:schemeClr val="tx1"/>
           </a:solidFill>
@@ -2782,16 +3218,16 @@
           <a:cs typeface="+mn-cs"/>
         </a:defRPr>
       </a:lvl5pPr>
-      <a:lvl6pPr marL="1782097" indent="-162009" algn="l" defTabSz="648035" rtl="0" eaLnBrk="1" latinLnBrk="0" hangingPunct="1">
+      <a:lvl6pPr marL="2376297" indent="-216027" algn="l" defTabSz="864108" rtl="0" eaLnBrk="1" latinLnBrk="0" hangingPunct="1">
         <a:lnSpc>
           <a:spcPct val="90000"/>
         </a:lnSpc>
         <a:spcBef>
-          <a:spcPts val="354"/>
+          <a:spcPts val="472"/>
         </a:spcBef>
         <a:buFont typeface="Arial" panose="020B0604020202020204" pitchFamily="34" charset="0"/>
         <a:buChar char="•"/>
-        <a:defRPr sz="1276" kern="1200">
+        <a:defRPr sz="1701" kern="1200">
           <a:solidFill>
             <a:schemeClr val="tx1"/>
           </a:solidFill>
@@ -2800,16 +3236,16 @@
           <a:cs typeface="+mn-cs"/>
         </a:defRPr>
       </a:lvl6pPr>
-      <a:lvl7pPr marL="2106115" indent="-162009" algn="l" defTabSz="648035" rtl="0" eaLnBrk="1" latinLnBrk="0" hangingPunct="1">
+      <a:lvl7pPr marL="2808351" indent="-216027" algn="l" defTabSz="864108" rtl="0" eaLnBrk="1" latinLnBrk="0" hangingPunct="1">
         <a:lnSpc>
           <a:spcPct val="90000"/>
         </a:lnSpc>
         <a:spcBef>
-          <a:spcPts val="354"/>
+          <a:spcPts val="472"/>
         </a:spcBef>
         <a:buFont typeface="Arial" panose="020B0604020202020204" pitchFamily="34" charset="0"/>
         <a:buChar char="•"/>
-        <a:defRPr sz="1276" kern="1200">
+        <a:defRPr sz="1701" kern="1200">
           <a:solidFill>
             <a:schemeClr val="tx1"/>
           </a:solidFill>
@@ -2818,16 +3254,16 @@
           <a:cs typeface="+mn-cs"/>
         </a:defRPr>
       </a:lvl7pPr>
-      <a:lvl8pPr marL="2430132" indent="-162009" algn="l" defTabSz="648035" rtl="0" eaLnBrk="1" latinLnBrk="0" hangingPunct="1">
+      <a:lvl8pPr marL="3240405" indent="-216027" algn="l" defTabSz="864108" rtl="0" eaLnBrk="1" latinLnBrk="0" hangingPunct="1">
         <a:lnSpc>
           <a:spcPct val="90000"/>
         </a:lnSpc>
         <a:spcBef>
-          <a:spcPts val="354"/>
+          <a:spcPts val="472"/>
         </a:spcBef>
         <a:buFont typeface="Arial" panose="020B0604020202020204" pitchFamily="34" charset="0"/>
         <a:buChar char="•"/>
-        <a:defRPr sz="1276" kern="1200">
+        <a:defRPr sz="1701" kern="1200">
           <a:solidFill>
             <a:schemeClr val="tx1"/>
           </a:solidFill>
@@ -2836,16 +3272,16 @@
           <a:cs typeface="+mn-cs"/>
         </a:defRPr>
       </a:lvl8pPr>
-      <a:lvl9pPr marL="2754150" indent="-162009" algn="l" defTabSz="648035" rtl="0" eaLnBrk="1" latinLnBrk="0" hangingPunct="1">
+      <a:lvl9pPr marL="3672459" indent="-216027" algn="l" defTabSz="864108" rtl="0" eaLnBrk="1" latinLnBrk="0" hangingPunct="1">
         <a:lnSpc>
           <a:spcPct val="90000"/>
         </a:lnSpc>
         <a:spcBef>
-          <a:spcPts val="354"/>
+          <a:spcPts val="472"/>
         </a:spcBef>
         <a:buFont typeface="Arial" panose="020B0604020202020204" pitchFamily="34" charset="0"/>
         <a:buChar char="•"/>
-        <a:defRPr sz="1276" kern="1200">
+        <a:defRPr sz="1701" kern="1200">
           <a:solidFill>
             <a:schemeClr val="tx1"/>
           </a:solidFill>
@@ -2859,8 +3295,8 @@
       <a:defPPr>
         <a:defRPr lang="en-US"/>
       </a:defPPr>
-      <a:lvl1pPr marL="0" algn="l" defTabSz="648035" rtl="0" eaLnBrk="1" latinLnBrk="0" hangingPunct="1">
-        <a:defRPr sz="1276" kern="1200">
+      <a:lvl1pPr marL="0" algn="l" defTabSz="864108" rtl="0" eaLnBrk="1" latinLnBrk="0" hangingPunct="1">
+        <a:defRPr sz="1701" kern="1200">
           <a:solidFill>
             <a:schemeClr val="tx1"/>
           </a:solidFill>
@@ -2869,8 +3305,8 @@
           <a:cs typeface="+mn-cs"/>
         </a:defRPr>
       </a:lvl1pPr>
-      <a:lvl2pPr marL="324018" algn="l" defTabSz="648035" rtl="0" eaLnBrk="1" latinLnBrk="0" hangingPunct="1">
-        <a:defRPr sz="1276" kern="1200">
+      <a:lvl2pPr marL="432054" algn="l" defTabSz="864108" rtl="0" eaLnBrk="1" latinLnBrk="0" hangingPunct="1">
+        <a:defRPr sz="1701" kern="1200">
           <a:solidFill>
             <a:schemeClr val="tx1"/>
           </a:solidFill>
@@ -2879,8 +3315,8 @@
           <a:cs typeface="+mn-cs"/>
         </a:defRPr>
       </a:lvl2pPr>
-      <a:lvl3pPr marL="648035" algn="l" defTabSz="648035" rtl="0" eaLnBrk="1" latinLnBrk="0" hangingPunct="1">
-        <a:defRPr sz="1276" kern="1200">
+      <a:lvl3pPr marL="864108" algn="l" defTabSz="864108" rtl="0" eaLnBrk="1" latinLnBrk="0" hangingPunct="1">
+        <a:defRPr sz="1701" kern="1200">
           <a:solidFill>
             <a:schemeClr val="tx1"/>
           </a:solidFill>
@@ -2889,8 +3325,8 @@
           <a:cs typeface="+mn-cs"/>
         </a:defRPr>
       </a:lvl3pPr>
-      <a:lvl4pPr marL="972053" algn="l" defTabSz="648035" rtl="0" eaLnBrk="1" latinLnBrk="0" hangingPunct="1">
-        <a:defRPr sz="1276" kern="1200">
+      <a:lvl4pPr marL="1296162" algn="l" defTabSz="864108" rtl="0" eaLnBrk="1" latinLnBrk="0" hangingPunct="1">
+        <a:defRPr sz="1701" kern="1200">
           <a:solidFill>
             <a:schemeClr val="tx1"/>
           </a:solidFill>
@@ -2899,8 +3335,8 @@
           <a:cs typeface="+mn-cs"/>
         </a:defRPr>
       </a:lvl4pPr>
-      <a:lvl5pPr marL="1296071" algn="l" defTabSz="648035" rtl="0" eaLnBrk="1" latinLnBrk="0" hangingPunct="1">
-        <a:defRPr sz="1276" kern="1200">
+      <a:lvl5pPr marL="1728216" algn="l" defTabSz="864108" rtl="0" eaLnBrk="1" latinLnBrk="0" hangingPunct="1">
+        <a:defRPr sz="1701" kern="1200">
           <a:solidFill>
             <a:schemeClr val="tx1"/>
           </a:solidFill>
@@ -2909,8 +3345,8 @@
           <a:cs typeface="+mn-cs"/>
         </a:defRPr>
       </a:lvl5pPr>
-      <a:lvl6pPr marL="1620088" algn="l" defTabSz="648035" rtl="0" eaLnBrk="1" latinLnBrk="0" hangingPunct="1">
-        <a:defRPr sz="1276" kern="1200">
+      <a:lvl6pPr marL="2160270" algn="l" defTabSz="864108" rtl="0" eaLnBrk="1" latinLnBrk="0" hangingPunct="1">
+        <a:defRPr sz="1701" kern="1200">
           <a:solidFill>
             <a:schemeClr val="tx1"/>
           </a:solidFill>
@@ -2919,8 +3355,8 @@
           <a:cs typeface="+mn-cs"/>
         </a:defRPr>
       </a:lvl6pPr>
-      <a:lvl7pPr marL="1944106" algn="l" defTabSz="648035" rtl="0" eaLnBrk="1" latinLnBrk="0" hangingPunct="1">
-        <a:defRPr sz="1276" kern="1200">
+      <a:lvl7pPr marL="2592324" algn="l" defTabSz="864108" rtl="0" eaLnBrk="1" latinLnBrk="0" hangingPunct="1">
+        <a:defRPr sz="1701" kern="1200">
           <a:solidFill>
             <a:schemeClr val="tx1"/>
           </a:solidFill>
@@ -2929,8 +3365,8 @@
           <a:cs typeface="+mn-cs"/>
         </a:defRPr>
       </a:lvl7pPr>
-      <a:lvl8pPr marL="2268123" algn="l" defTabSz="648035" rtl="0" eaLnBrk="1" latinLnBrk="0" hangingPunct="1">
-        <a:defRPr sz="1276" kern="1200">
+      <a:lvl8pPr marL="3024378" algn="l" defTabSz="864108" rtl="0" eaLnBrk="1" latinLnBrk="0" hangingPunct="1">
+        <a:defRPr sz="1701" kern="1200">
           <a:solidFill>
             <a:schemeClr val="tx1"/>
           </a:solidFill>
@@ -2939,8 +3375,8 @@
           <a:cs typeface="+mn-cs"/>
         </a:defRPr>
       </a:lvl8pPr>
-      <a:lvl9pPr marL="2592141" algn="l" defTabSz="648035" rtl="0" eaLnBrk="1" latinLnBrk="0" hangingPunct="1">
-        <a:defRPr sz="1276" kern="1200">
+      <a:lvl9pPr marL="3456432" algn="l" defTabSz="864108" rtl="0" eaLnBrk="1" latinLnBrk="0" hangingPunct="1">
+        <a:defRPr sz="1701" kern="1200">
           <a:solidFill>
             <a:schemeClr val="tx1"/>
           </a:solidFill>
@@ -2957,6 +3393,16 @@
 <file path=ppt/slides/slide1.xml><?xml version="1.0" encoding="utf-8"?>
 <p:sld xmlns:a="http://schemas.openxmlformats.org/drawingml/2006/main" xmlns:r="http://schemas.openxmlformats.org/officeDocument/2006/relationships" xmlns:p="http://schemas.openxmlformats.org/presentationml/2006/main">
   <p:cSld>
+    <p:bg>
+      <p:bgPr>
+        <a:solidFill>
+          <a:schemeClr val="bg1">
+            <a:alpha val="25000"/>
+          </a:schemeClr>
+        </a:solidFill>
+        <a:effectLst/>
+      </p:bgPr>
+    </p:bg>
     <p:spTree>
       <p:nvGrpSpPr>
         <p:cNvPr id="1" name=""/>
@@ -2971,14 +3417,14 @@
           <a:chExt cx="0" cy="0"/>
         </a:xfrm>
       </p:grpSpPr>
-      <mc:AlternateContent xmlns:mc="http://schemas.openxmlformats.org/markup-compatibility/2006">
-        <mc:Choice xmlns:pslz="http://schemas.microsoft.com/office/powerpoint/2016/slidezoom" Requires="pslz">
+      <mc:AlternateContent xmlns:mc="http://schemas.openxmlformats.org/markup-compatibility/2006" xmlns:pslz="http://schemas.microsoft.com/office/powerpoint/2016/slidezoom">
+        <mc:Choice Requires="pslz">
           <p:graphicFrame>
             <p:nvGraphicFramePr>
-              <p:cNvPr id="5" name="Slide Zoom 4">
+              <p:cNvPr id="11" name="Slide Zoom 10">
                 <a:extLst>
                   <a:ext uri="{FF2B5EF4-FFF2-40B4-BE49-F238E27FC236}">
-                    <a16:creationId xmlns:a16="http://schemas.microsoft.com/office/drawing/2014/main" id="{9F873ABD-1FB8-6D2D-FFBB-48076C7B1DD0}"/>
+                    <a16:creationId xmlns:a16="http://schemas.microsoft.com/office/drawing/2014/main" id="{F38A1A2E-6180-8E6F-F304-DD1036C7F31E}"/>
                   </a:ext>
                 </a:extLst>
               </p:cNvPr>
@@ -2988,22 +3434,22 @@
               <p:nvPr>
                 <p:extLst>
                   <p:ext uri="{D42A27DB-BD31-4B8C-83A1-F6EECF244321}">
-                    <p14:modId xmlns:p14="http://schemas.microsoft.com/office/powerpoint/2010/main" val="2397584556"/>
+                    <p14:modId xmlns:p14="http://schemas.microsoft.com/office/powerpoint/2010/main" val="3167758461"/>
                   </p:ext>
                 </p:extLst>
               </p:nvPr>
             </p:nvGraphicFramePr>
             <p:xfrm>
-              <a:off x="720000" y="720000"/>
-              <a:ext cx="1440000" cy="1440000"/>
+              <a:off x="6480000" y="4590000"/>
+              <a:ext cx="2160191" cy="2160191"/>
             </p:xfrm>
             <a:graphic>
               <a:graphicData uri="http://schemas.microsoft.com/office/powerpoint/2016/slidezoom">
                 <pslz:sldZm>
-                  <pslz:sldZmObj sldId="256" cId="2091751467">
-                    <pslz:zmPr id="{DFAC8805-4774-5041-9064-8C2B6CC9B5A2}" returnToParent="0" transitionDur="1000" showBg="0">
+                  <pslz:sldZmObj sldId="256" cId="3218068108">
+                    <pslz:zmPr id="{D98D8967-8C29-9343-87C8-298B8849A0D5}" returnToParent="0" transitionDur="1000" showBg="0">
                       <p166:blipFill xmlns:p166="http://schemas.microsoft.com/office/powerpoint/2016/6/main">
-                        <a:blip r:embed="rId2"/>
+                        <a:blip r:embed="rId3"/>
                         <a:stretch>
                           <a:fillRect/>
                         </a:stretch>
@@ -3011,14 +3457,14 @@
                       <p166:spPr xmlns:p166="http://schemas.microsoft.com/office/powerpoint/2016/6/main">
                         <a:xfrm>
                           <a:off x="0" y="0"/>
-                          <a:ext cx="1440000" cy="1440000"/>
+                          <a:ext cx="2160191" cy="2160191"/>
                         </a:xfrm>
                         <a:prstGeom prst="rect">
                           <a:avLst/>
                         </a:prstGeom>
                         <a:effectLst>
-                          <a:glow rad="12700">
-                            <a:srgbClr val="FFC000"/>
+                          <a:glow>
+                            <a:schemeClr val="tx1"/>
                           </a:glow>
                         </a:effectLst>
                       </p166:spPr>
@@ -3029,208 +3475,14 @@
             </a:graphic>
           </p:graphicFrame>
         </mc:Choice>
-        <mc:Fallback>
+        <mc:Fallback xmlns="">
           <p:pic>
             <p:nvPicPr>
-              <p:cNvPr id="5" name="Slide Zoom 4">
-                <a:hlinkClick r:id="rId3" action="ppaction://hlinksldjump"/>
+              <p:cNvPr id="11" name="Slide Zoom 10">
+                <a:hlinkClick r:id="rId4" action="ppaction://hlinksldjump"/>
                 <a:extLst>
                   <a:ext uri="{FF2B5EF4-FFF2-40B4-BE49-F238E27FC236}">
-                    <a16:creationId xmlns:a16="http://schemas.microsoft.com/office/drawing/2014/main" id="{9F873ABD-1FB8-6D2D-FFBB-48076C7B1DD0}"/>
-                  </a:ext>
-                </a:extLst>
-              </p:cNvPr>
-              <p:cNvPicPr>
-                <a:picLocks noGrp="1" noRot="1" noChangeAspect="1" noMove="1" noResize="1" noEditPoints="1" noAdjustHandles="1" noChangeArrowheads="1" noChangeShapeType="1"/>
-              </p:cNvPicPr>
-              <p:nvPr/>
-            </p:nvPicPr>
-            <p:blipFill>
-              <a:blip r:embed="rId2"/>
-              <a:stretch>
-                <a:fillRect/>
-              </a:stretch>
-            </p:blipFill>
-            <p:spPr>
-              <a:xfrm>
-                <a:off x="720000" y="720000"/>
-                <a:ext cx="1440000" cy="1440000"/>
-              </a:xfrm>
-              <a:prstGeom prst="rect">
-                <a:avLst/>
-              </a:prstGeom>
-              <a:effectLst>
-                <a:glow rad="12700">
-                  <a:srgbClr val="FFC000"/>
-                </a:glow>
-              </a:effectLst>
-            </p:spPr>
-          </p:pic>
-        </mc:Fallback>
-      </mc:AlternateContent>
-      <mc:AlternateContent xmlns:mc="http://schemas.openxmlformats.org/markup-compatibility/2006">
-        <mc:Choice xmlns:pslz="http://schemas.microsoft.com/office/powerpoint/2016/slidezoom" Requires="pslz">
-          <p:graphicFrame>
-            <p:nvGraphicFramePr>
-              <p:cNvPr id="6" name="Slide Zoom 5">
-                <a:extLst>
-                  <a:ext uri="{FF2B5EF4-FFF2-40B4-BE49-F238E27FC236}">
-                    <a16:creationId xmlns:a16="http://schemas.microsoft.com/office/drawing/2014/main" id="{C3AC5F2C-C952-198C-5E6C-425D147D0F93}"/>
-                  </a:ext>
-                </a:extLst>
-              </p:cNvPr>
-              <p:cNvGraphicFramePr>
-                <a:graphicFrameLocks noChangeAspect="1"/>
-              </p:cNvGraphicFramePr>
-              <p:nvPr>
-                <p:extLst>
-                  <p:ext uri="{D42A27DB-BD31-4B8C-83A1-F6EECF244321}">
-                    <p14:modId xmlns:p14="http://schemas.microsoft.com/office/powerpoint/2010/main" val="1502119042"/>
-                  </p:ext>
-                </p:extLst>
-              </p:nvPr>
-            </p:nvGraphicFramePr>
-            <p:xfrm>
-              <a:off x="2340000" y="180000"/>
-              <a:ext cx="1800000" cy="1800000"/>
-            </p:xfrm>
-            <a:graphic>
-              <a:graphicData uri="http://schemas.microsoft.com/office/powerpoint/2016/slidezoom">
-                <pslz:sldZm>
-                  <pslz:sldZmObj sldId="256" cId="2091751467">
-                    <pslz:zmPr id="{DFAC8805-4774-5041-9064-8C2B6CC9B5A2}" returnToParent="0" transitionDur="1000" showBg="0">
-                      <p166:blipFill xmlns:p166="http://schemas.microsoft.com/office/powerpoint/2016/6/main">
-                        <a:blip r:embed="rId4"/>
-                        <a:stretch>
-                          <a:fillRect/>
-                        </a:stretch>
-                      </p166:blipFill>
-                      <p166:spPr xmlns:p166="http://schemas.microsoft.com/office/powerpoint/2016/6/main">
-                        <a:xfrm>
-                          <a:off x="0" y="0"/>
-                          <a:ext cx="1800000" cy="1800000"/>
-                        </a:xfrm>
-                        <a:prstGeom prst="rect">
-                          <a:avLst/>
-                        </a:prstGeom>
-                        <a:effectLst>
-                          <a:glow rad="12700">
-                            <a:srgbClr val="FFFF00"/>
-                          </a:glow>
-                        </a:effectLst>
-                      </p166:spPr>
-                    </pslz:zmPr>
-                  </pslz:sldZmObj>
-                </pslz:sldZm>
-              </a:graphicData>
-            </a:graphic>
-          </p:graphicFrame>
-        </mc:Choice>
-        <mc:Fallback>
-          <p:pic>
-            <p:nvPicPr>
-              <p:cNvPr id="6" name="Slide Zoom 5">
-                <a:hlinkClick r:id="rId3" action="ppaction://hlinksldjump"/>
-                <a:extLst>
-                  <a:ext uri="{FF2B5EF4-FFF2-40B4-BE49-F238E27FC236}">
-                    <a16:creationId xmlns:a16="http://schemas.microsoft.com/office/drawing/2014/main" id="{C3AC5F2C-C952-198C-5E6C-425D147D0F93}"/>
-                  </a:ext>
-                </a:extLst>
-              </p:cNvPr>
-              <p:cNvPicPr>
-                <a:picLocks noGrp="1" noRot="1" noChangeAspect="1" noMove="1" noResize="1" noEditPoints="1" noAdjustHandles="1" noChangeArrowheads="1" noChangeShapeType="1"/>
-              </p:cNvPicPr>
-              <p:nvPr/>
-            </p:nvPicPr>
-            <p:blipFill>
-              <a:blip r:embed="rId4"/>
-              <a:stretch>
-                <a:fillRect/>
-              </a:stretch>
-            </p:blipFill>
-            <p:spPr>
-              <a:xfrm>
-                <a:off x="2340000" y="180000"/>
-                <a:ext cx="1800000" cy="1800000"/>
-              </a:xfrm>
-              <a:prstGeom prst="rect">
-                <a:avLst/>
-              </a:prstGeom>
-              <a:effectLst>
-                <a:glow rad="12700">
-                  <a:srgbClr val="FFFF00"/>
-                </a:glow>
-              </a:effectLst>
-            </p:spPr>
-          </p:pic>
-        </mc:Fallback>
-      </mc:AlternateContent>
-      <mc:AlternateContent xmlns:mc="http://schemas.openxmlformats.org/markup-compatibility/2006">
-        <mc:Choice xmlns:pslz="http://schemas.microsoft.com/office/powerpoint/2016/slidezoom" Requires="pslz">
-          <p:graphicFrame>
-            <p:nvGraphicFramePr>
-              <p:cNvPr id="7" name="Slide Zoom 6">
-                <a:extLst>
-                  <a:ext uri="{FF2B5EF4-FFF2-40B4-BE49-F238E27FC236}">
-                    <a16:creationId xmlns:a16="http://schemas.microsoft.com/office/drawing/2014/main" id="{304FDC7D-4022-C792-3A01-E40830AFD07C}"/>
-                  </a:ext>
-                </a:extLst>
-              </p:cNvPr>
-              <p:cNvGraphicFramePr>
-                <a:graphicFrameLocks noChangeAspect="1"/>
-              </p:cNvGraphicFramePr>
-              <p:nvPr>
-                <p:extLst>
-                  <p:ext uri="{D42A27DB-BD31-4B8C-83A1-F6EECF244321}">
-                    <p14:modId xmlns:p14="http://schemas.microsoft.com/office/powerpoint/2010/main" val="3465601248"/>
-                  </p:ext>
-                </p:extLst>
-              </p:nvPr>
-            </p:nvGraphicFramePr>
-            <p:xfrm>
-              <a:off x="4320000" y="720000"/>
-              <a:ext cx="1440000" cy="1440000"/>
-            </p:xfrm>
-            <a:graphic>
-              <a:graphicData uri="http://schemas.microsoft.com/office/powerpoint/2016/slidezoom">
-                <pslz:sldZm>
-                  <pslz:sldZmObj sldId="256" cId="2091751467">
-                    <pslz:zmPr id="{DFAC8805-4774-5041-9064-8C2B6CC9B5A2}" returnToParent="0" transitionDur="1000" showBg="0">
-                      <p166:blipFill xmlns:p166="http://schemas.microsoft.com/office/powerpoint/2016/6/main">
-                        <a:blip r:embed="rId5"/>
-                        <a:stretch>
-                          <a:fillRect/>
-                        </a:stretch>
-                      </p166:blipFill>
-                      <p166:spPr xmlns:p166="http://schemas.microsoft.com/office/powerpoint/2016/6/main">
-                        <a:xfrm>
-                          <a:off x="0" y="0"/>
-                          <a:ext cx="1440000" cy="1440000"/>
-                        </a:xfrm>
-                        <a:prstGeom prst="rect">
-                          <a:avLst/>
-                        </a:prstGeom>
-                        <a:effectLst>
-                          <a:glow rad="12700">
-                            <a:srgbClr val="FFC000"/>
-                          </a:glow>
-                        </a:effectLst>
-                      </p166:spPr>
-                    </pslz:zmPr>
-                  </pslz:sldZmObj>
-                </pslz:sldZm>
-              </a:graphicData>
-            </a:graphic>
-          </p:graphicFrame>
-        </mc:Choice>
-        <mc:Fallback>
-          <p:pic>
-            <p:nvPicPr>
-              <p:cNvPr id="7" name="Slide Zoom 6">
-                <a:hlinkClick r:id="rId3" action="ppaction://hlinksldjump"/>
-                <a:extLst>
-                  <a:ext uri="{FF2B5EF4-FFF2-40B4-BE49-F238E27FC236}">
-                    <a16:creationId xmlns:a16="http://schemas.microsoft.com/office/drawing/2014/main" id="{304FDC7D-4022-C792-3A01-E40830AFD07C}"/>
+                    <a16:creationId xmlns:a16="http://schemas.microsoft.com/office/drawing/2014/main" id="{F38A1A2E-6180-8E6F-F304-DD1036C7F31E}"/>
                   </a:ext>
                 </a:extLst>
               </p:cNvPr>
@@ -3247,29 +3499,29 @@
             </p:blipFill>
             <p:spPr>
               <a:xfrm>
-                <a:off x="4320000" y="720000"/>
-                <a:ext cx="1440000" cy="1440000"/>
+                <a:off x="6480000" y="4590000"/>
+                <a:ext cx="2160191" cy="2160191"/>
               </a:xfrm>
               <a:prstGeom prst="rect">
                 <a:avLst/>
               </a:prstGeom>
               <a:effectLst>
-                <a:glow rad="12700">
-                  <a:srgbClr val="FFC000"/>
+                <a:glow>
+                  <a:schemeClr val="tx1"/>
                 </a:glow>
               </a:effectLst>
             </p:spPr>
           </p:pic>
         </mc:Fallback>
       </mc:AlternateContent>
-      <mc:AlternateContent xmlns:mc="http://schemas.openxmlformats.org/markup-compatibility/2006">
-        <mc:Choice xmlns:pslz="http://schemas.microsoft.com/office/powerpoint/2016/slidezoom" Requires="pslz">
+      <mc:AlternateContent xmlns:mc="http://schemas.openxmlformats.org/markup-compatibility/2006" xmlns:pslz="http://schemas.microsoft.com/office/powerpoint/2016/slidezoom">
+        <mc:Choice Requires="pslz">
           <p:graphicFrame>
             <p:nvGraphicFramePr>
-              <p:cNvPr id="8" name="Slide Zoom 7">
+              <p:cNvPr id="12" name="Slide Zoom 11">
                 <a:extLst>
                   <a:ext uri="{FF2B5EF4-FFF2-40B4-BE49-F238E27FC236}">
-                    <a16:creationId xmlns:a16="http://schemas.microsoft.com/office/drawing/2014/main" id="{D8E59A96-41B1-1A67-AAC1-BEC721E08885}"/>
+                    <a16:creationId xmlns:a16="http://schemas.microsoft.com/office/drawing/2014/main" id="{2AA7A784-EA60-D3CD-27E7-ADE5E940061D}"/>
                   </a:ext>
                 </a:extLst>
               </p:cNvPr>
@@ -3279,20 +3531,20 @@
               <p:nvPr>
                 <p:extLst>
                   <p:ext uri="{D42A27DB-BD31-4B8C-83A1-F6EECF244321}">
-                    <p14:modId xmlns:p14="http://schemas.microsoft.com/office/powerpoint/2010/main" val="1132663487"/>
+                    <p14:modId xmlns:p14="http://schemas.microsoft.com/office/powerpoint/2010/main" val="420668677"/>
                   </p:ext>
                 </p:extLst>
               </p:nvPr>
             </p:nvGraphicFramePr>
             <p:xfrm>
-              <a:off x="180000" y="2340000"/>
-              <a:ext cx="1800000" cy="1800000"/>
+              <a:off x="0" y="1890000"/>
+              <a:ext cx="2160191" cy="2160191"/>
             </p:xfrm>
             <a:graphic>
               <a:graphicData uri="http://schemas.microsoft.com/office/powerpoint/2016/slidezoom">
                 <pslz:sldZm>
-                  <pslz:sldZmObj sldId="256" cId="2091751467">
-                    <pslz:zmPr id="{DFAC8805-4774-5041-9064-8C2B6CC9B5A2}" returnToParent="0" transitionDur="1000" showBg="0">
+                  <pslz:sldZmObj sldId="256" cId="3218068108">
+                    <pslz:zmPr id="{D98D8967-8C29-9343-87C8-298B8849A0D5}" returnToParent="0" transitionDur="1000" showBg="0">
                       <p166:blipFill xmlns:p166="http://schemas.microsoft.com/office/powerpoint/2016/6/main">
                         <a:blip r:embed="rId6"/>
                         <a:stretch>
@@ -3302,14 +3554,14 @@
                       <p166:spPr xmlns:p166="http://schemas.microsoft.com/office/powerpoint/2016/6/main">
                         <a:xfrm>
                           <a:off x="0" y="0"/>
-                          <a:ext cx="1800000" cy="1800000"/>
+                          <a:ext cx="2160191" cy="2160191"/>
                         </a:xfrm>
                         <a:prstGeom prst="rect">
                           <a:avLst/>
                         </a:prstGeom>
                         <a:effectLst>
-                          <a:glow rad="12700">
-                            <a:srgbClr val="FFFF00"/>
+                          <a:glow>
+                            <a:schemeClr val="tx1"/>
                           </a:glow>
                         </a:effectLst>
                       </p166:spPr>
@@ -3320,111 +3572,14 @@
             </a:graphic>
           </p:graphicFrame>
         </mc:Choice>
-        <mc:Fallback>
+        <mc:Fallback xmlns="">
           <p:pic>
             <p:nvPicPr>
-              <p:cNvPr id="8" name="Slide Zoom 7">
-                <a:hlinkClick r:id="rId3" action="ppaction://hlinksldjump"/>
+              <p:cNvPr id="12" name="Slide Zoom 11">
+                <a:hlinkClick r:id="rId4" action="ppaction://hlinksldjump"/>
                 <a:extLst>
                   <a:ext uri="{FF2B5EF4-FFF2-40B4-BE49-F238E27FC236}">
-                    <a16:creationId xmlns:a16="http://schemas.microsoft.com/office/drawing/2014/main" id="{D8E59A96-41B1-1A67-AAC1-BEC721E08885}"/>
-                  </a:ext>
-                </a:extLst>
-              </p:cNvPr>
-              <p:cNvPicPr>
-                <a:picLocks noGrp="1" noRot="1" noChangeAspect="1" noMove="1" noResize="1" noEditPoints="1" noAdjustHandles="1" noChangeArrowheads="1" noChangeShapeType="1"/>
-              </p:cNvPicPr>
-              <p:nvPr/>
-            </p:nvPicPr>
-            <p:blipFill>
-              <a:blip r:embed="rId6"/>
-              <a:stretch>
-                <a:fillRect/>
-              </a:stretch>
-            </p:blipFill>
-            <p:spPr>
-              <a:xfrm>
-                <a:off x="180000" y="2340000"/>
-                <a:ext cx="1800000" cy="1800000"/>
-              </a:xfrm>
-              <a:prstGeom prst="rect">
-                <a:avLst/>
-              </a:prstGeom>
-              <a:effectLst>
-                <a:glow rad="12700">
-                  <a:srgbClr val="FFFF00"/>
-                </a:glow>
-              </a:effectLst>
-            </p:spPr>
-          </p:pic>
-        </mc:Fallback>
-      </mc:AlternateContent>
-      <mc:AlternateContent xmlns:mc="http://schemas.openxmlformats.org/markup-compatibility/2006">
-        <mc:Choice xmlns:pslz="http://schemas.microsoft.com/office/powerpoint/2016/slidezoom" Requires="pslz">
-          <p:graphicFrame>
-            <p:nvGraphicFramePr>
-              <p:cNvPr id="9" name="Slide Zoom 8">
-                <a:extLst>
-                  <a:ext uri="{FF2B5EF4-FFF2-40B4-BE49-F238E27FC236}">
-                    <a16:creationId xmlns:a16="http://schemas.microsoft.com/office/drawing/2014/main" id="{7594CDD3-D383-E137-511D-841491BF692F}"/>
-                  </a:ext>
-                </a:extLst>
-              </p:cNvPr>
-              <p:cNvGraphicFramePr>
-                <a:graphicFrameLocks noChangeAspect="1"/>
-              </p:cNvGraphicFramePr>
-              <p:nvPr>
-                <p:extLst>
-                  <p:ext uri="{D42A27DB-BD31-4B8C-83A1-F6EECF244321}">
-                    <p14:modId xmlns:p14="http://schemas.microsoft.com/office/powerpoint/2010/main" val="3382856432"/>
-                  </p:ext>
-                </p:extLst>
-              </p:nvPr>
-            </p:nvGraphicFramePr>
-            <p:xfrm>
-              <a:off x="4500000" y="2340000"/>
-              <a:ext cx="1800000" cy="1800000"/>
-            </p:xfrm>
-            <a:graphic>
-              <a:graphicData uri="http://schemas.microsoft.com/office/powerpoint/2016/slidezoom">
-                <pslz:sldZm>
-                  <pslz:sldZmObj sldId="256" cId="2091751467">
-                    <pslz:zmPr id="{DFAC8805-4774-5041-9064-8C2B6CC9B5A2}" returnToParent="0" transitionDur="1000" showBg="0">
-                      <p166:blipFill xmlns:p166="http://schemas.microsoft.com/office/powerpoint/2016/6/main">
-                        <a:blip r:embed="rId7"/>
-                        <a:stretch>
-                          <a:fillRect/>
-                        </a:stretch>
-                      </p166:blipFill>
-                      <p166:spPr xmlns:p166="http://schemas.microsoft.com/office/powerpoint/2016/6/main">
-                        <a:xfrm>
-                          <a:off x="0" y="0"/>
-                          <a:ext cx="1800000" cy="1800000"/>
-                        </a:xfrm>
-                        <a:prstGeom prst="rect">
-                          <a:avLst/>
-                        </a:prstGeom>
-                        <a:effectLst>
-                          <a:glow rad="12700">
-                            <a:srgbClr val="FFFF00"/>
-                          </a:glow>
-                        </a:effectLst>
-                      </p166:spPr>
-                    </pslz:zmPr>
-                  </pslz:sldZmObj>
-                </pslz:sldZm>
-              </a:graphicData>
-            </a:graphic>
-          </p:graphicFrame>
-        </mc:Choice>
-        <mc:Fallback>
-          <p:pic>
-            <p:nvPicPr>
-              <p:cNvPr id="9" name="Slide Zoom 8">
-                <a:hlinkClick r:id="rId3" action="ppaction://hlinksldjump"/>
-                <a:extLst>
-                  <a:ext uri="{FF2B5EF4-FFF2-40B4-BE49-F238E27FC236}">
-                    <a16:creationId xmlns:a16="http://schemas.microsoft.com/office/drawing/2014/main" id="{7594CDD3-D383-E137-511D-841491BF692F}"/>
+                    <a16:creationId xmlns:a16="http://schemas.microsoft.com/office/drawing/2014/main" id="{2AA7A784-EA60-D3CD-27E7-ADE5E940061D}"/>
                   </a:ext>
                 </a:extLst>
               </p:cNvPr>
@@ -3441,29 +3596,29 @@
             </p:blipFill>
             <p:spPr>
               <a:xfrm>
-                <a:off x="4500000" y="2340000"/>
-                <a:ext cx="1800000" cy="1800000"/>
+                <a:off x="0" y="1890000"/>
+                <a:ext cx="2160191" cy="2160191"/>
               </a:xfrm>
               <a:prstGeom prst="rect">
                 <a:avLst/>
               </a:prstGeom>
               <a:effectLst>
-                <a:glow rad="12700">
-                  <a:srgbClr val="FFFF00"/>
+                <a:glow>
+                  <a:schemeClr val="tx1"/>
                 </a:glow>
               </a:effectLst>
             </p:spPr>
           </p:pic>
         </mc:Fallback>
       </mc:AlternateContent>
-      <mc:AlternateContent xmlns:mc="http://schemas.openxmlformats.org/markup-compatibility/2006">
-        <mc:Choice xmlns:pslz="http://schemas.microsoft.com/office/powerpoint/2016/slidezoom" Requires="pslz">
+      <mc:AlternateContent xmlns:mc="http://schemas.openxmlformats.org/markup-compatibility/2006" xmlns:pslz="http://schemas.microsoft.com/office/powerpoint/2016/slidezoom">
+        <mc:Choice Requires="pslz">
           <p:graphicFrame>
             <p:nvGraphicFramePr>
-              <p:cNvPr id="10" name="Slide Zoom 9">
+              <p:cNvPr id="13" name="Slide Zoom 12">
                 <a:extLst>
                   <a:ext uri="{FF2B5EF4-FFF2-40B4-BE49-F238E27FC236}">
-                    <a16:creationId xmlns:a16="http://schemas.microsoft.com/office/drawing/2014/main" id="{57E3EB18-63F2-E90A-8725-4A22FA52FA81}"/>
+                    <a16:creationId xmlns:a16="http://schemas.microsoft.com/office/drawing/2014/main" id="{416C15D5-4FBF-6E1B-CE6C-7159B14DDAF0}"/>
                   </a:ext>
                 </a:extLst>
               </p:cNvPr>
@@ -3473,20 +3628,20 @@
               <p:nvPr>
                 <p:extLst>
                   <p:ext uri="{D42A27DB-BD31-4B8C-83A1-F6EECF244321}">
-                    <p14:modId xmlns:p14="http://schemas.microsoft.com/office/powerpoint/2010/main" val="3594484658"/>
+                    <p14:modId xmlns:p14="http://schemas.microsoft.com/office/powerpoint/2010/main" val="1292902498"/>
                   </p:ext>
                 </p:extLst>
               </p:nvPr>
             </p:nvGraphicFramePr>
             <p:xfrm>
-              <a:off x="720000" y="4320000"/>
-              <a:ext cx="1440000" cy="1440000"/>
+              <a:off x="1890000" y="6480000"/>
+              <a:ext cx="2160191" cy="2160191"/>
             </p:xfrm>
             <a:graphic>
               <a:graphicData uri="http://schemas.microsoft.com/office/powerpoint/2016/slidezoom">
                 <pslz:sldZm>
-                  <pslz:sldZmObj sldId="256" cId="2091751467">
-                    <pslz:zmPr id="{DFAC8805-4774-5041-9064-8C2B6CC9B5A2}" returnToParent="0" transitionDur="1000" showBg="0">
+                  <pslz:sldZmObj sldId="256" cId="3218068108">
+                    <pslz:zmPr id="{D98D8967-8C29-9343-87C8-298B8849A0D5}" returnToParent="0" transitionDur="1000" showBg="0">
                       <p166:blipFill xmlns:p166="http://schemas.microsoft.com/office/powerpoint/2016/6/main">
                         <a:blip r:embed="rId8"/>
                         <a:stretch>
@@ -3496,14 +3651,14 @@
                       <p166:spPr xmlns:p166="http://schemas.microsoft.com/office/powerpoint/2016/6/main">
                         <a:xfrm>
                           <a:off x="0" y="0"/>
-                          <a:ext cx="1440000" cy="1440000"/>
+                          <a:ext cx="2160191" cy="2160191"/>
                         </a:xfrm>
                         <a:prstGeom prst="rect">
                           <a:avLst/>
                         </a:prstGeom>
                         <a:effectLst>
-                          <a:glow rad="12700">
-                            <a:srgbClr val="FFC000"/>
+                          <a:glow>
+                            <a:schemeClr val="tx1"/>
                           </a:glow>
                         </a:effectLst>
                       </p166:spPr>
@@ -3514,111 +3669,14 @@
             </a:graphic>
           </p:graphicFrame>
         </mc:Choice>
-        <mc:Fallback>
+        <mc:Fallback xmlns="">
           <p:pic>
             <p:nvPicPr>
-              <p:cNvPr id="10" name="Slide Zoom 9">
-                <a:hlinkClick r:id="rId3" action="ppaction://hlinksldjump"/>
+              <p:cNvPr id="13" name="Slide Zoom 12">
+                <a:hlinkClick r:id="rId4" action="ppaction://hlinksldjump"/>
                 <a:extLst>
                   <a:ext uri="{FF2B5EF4-FFF2-40B4-BE49-F238E27FC236}">
-                    <a16:creationId xmlns:a16="http://schemas.microsoft.com/office/drawing/2014/main" id="{57E3EB18-63F2-E90A-8725-4A22FA52FA81}"/>
-                  </a:ext>
-                </a:extLst>
-              </p:cNvPr>
-              <p:cNvPicPr>
-                <a:picLocks noGrp="1" noRot="1" noChangeAspect="1" noMove="1" noResize="1" noEditPoints="1" noAdjustHandles="1" noChangeArrowheads="1" noChangeShapeType="1"/>
-              </p:cNvPicPr>
-              <p:nvPr/>
-            </p:nvPicPr>
-            <p:blipFill>
-              <a:blip r:embed="rId8"/>
-              <a:stretch>
-                <a:fillRect/>
-              </a:stretch>
-            </p:blipFill>
-            <p:spPr>
-              <a:xfrm>
-                <a:off x="720000" y="4320000"/>
-                <a:ext cx="1440000" cy="1440000"/>
-              </a:xfrm>
-              <a:prstGeom prst="rect">
-                <a:avLst/>
-              </a:prstGeom>
-              <a:effectLst>
-                <a:glow rad="12700">
-                  <a:srgbClr val="FFC000"/>
-                </a:glow>
-              </a:effectLst>
-            </p:spPr>
-          </p:pic>
-        </mc:Fallback>
-      </mc:AlternateContent>
-      <mc:AlternateContent xmlns:mc="http://schemas.openxmlformats.org/markup-compatibility/2006">
-        <mc:Choice xmlns:pslz="http://schemas.microsoft.com/office/powerpoint/2016/slidezoom" Requires="pslz">
-          <p:graphicFrame>
-            <p:nvGraphicFramePr>
-              <p:cNvPr id="11" name="Slide Zoom 10">
-                <a:extLst>
-                  <a:ext uri="{FF2B5EF4-FFF2-40B4-BE49-F238E27FC236}">
-                    <a16:creationId xmlns:a16="http://schemas.microsoft.com/office/drawing/2014/main" id="{66E92FBD-0794-3392-DFB5-EE3731273C5B}"/>
-                  </a:ext>
-                </a:extLst>
-              </p:cNvPr>
-              <p:cNvGraphicFramePr>
-                <a:graphicFrameLocks noChangeAspect="1"/>
-              </p:cNvGraphicFramePr>
-              <p:nvPr>
-                <p:extLst>
-                  <p:ext uri="{D42A27DB-BD31-4B8C-83A1-F6EECF244321}">
-                    <p14:modId xmlns:p14="http://schemas.microsoft.com/office/powerpoint/2010/main" val="1712042165"/>
-                  </p:ext>
-                </p:extLst>
-              </p:nvPr>
-            </p:nvGraphicFramePr>
-            <p:xfrm>
-              <a:off x="2340000" y="4500000"/>
-              <a:ext cx="1800000" cy="1800000"/>
-            </p:xfrm>
-            <a:graphic>
-              <a:graphicData uri="http://schemas.microsoft.com/office/powerpoint/2016/slidezoom">
-                <pslz:sldZm>
-                  <pslz:sldZmObj sldId="256" cId="2091751467">
-                    <pslz:zmPr id="{DFAC8805-4774-5041-9064-8C2B6CC9B5A2}" returnToParent="0" transitionDur="1000" showBg="0">
-                      <p166:blipFill xmlns:p166="http://schemas.microsoft.com/office/powerpoint/2016/6/main">
-                        <a:blip r:embed="rId9"/>
-                        <a:stretch>
-                          <a:fillRect/>
-                        </a:stretch>
-                      </p166:blipFill>
-                      <p166:spPr xmlns:p166="http://schemas.microsoft.com/office/powerpoint/2016/6/main">
-                        <a:xfrm>
-                          <a:off x="0" y="0"/>
-                          <a:ext cx="1800000" cy="1800000"/>
-                        </a:xfrm>
-                        <a:prstGeom prst="rect">
-                          <a:avLst/>
-                        </a:prstGeom>
-                        <a:effectLst>
-                          <a:glow rad="12700">
-                            <a:srgbClr val="FFFF00"/>
-                          </a:glow>
-                        </a:effectLst>
-                      </p166:spPr>
-                    </pslz:zmPr>
-                  </pslz:sldZmObj>
-                </pslz:sldZm>
-              </a:graphicData>
-            </a:graphic>
-          </p:graphicFrame>
-        </mc:Choice>
-        <mc:Fallback>
-          <p:pic>
-            <p:nvPicPr>
-              <p:cNvPr id="11" name="Slide Zoom 10">
-                <a:hlinkClick r:id="rId3" action="ppaction://hlinksldjump"/>
-                <a:extLst>
-                  <a:ext uri="{FF2B5EF4-FFF2-40B4-BE49-F238E27FC236}">
-                    <a16:creationId xmlns:a16="http://schemas.microsoft.com/office/drawing/2014/main" id="{66E92FBD-0794-3392-DFB5-EE3731273C5B}"/>
+                    <a16:creationId xmlns:a16="http://schemas.microsoft.com/office/drawing/2014/main" id="{416C15D5-4FBF-6E1B-CE6C-7159B14DDAF0}"/>
                   </a:ext>
                 </a:extLst>
               </p:cNvPr>
@@ -3635,29 +3693,29 @@
             </p:blipFill>
             <p:spPr>
               <a:xfrm>
-                <a:off x="2340000" y="4500000"/>
-                <a:ext cx="1800000" cy="1800000"/>
+                <a:off x="1890000" y="6480000"/>
+                <a:ext cx="2160191" cy="2160191"/>
               </a:xfrm>
               <a:prstGeom prst="rect">
                 <a:avLst/>
               </a:prstGeom>
               <a:effectLst>
-                <a:glow rad="12700">
-                  <a:srgbClr val="FFFF00"/>
+                <a:glow>
+                  <a:schemeClr val="tx1"/>
                 </a:glow>
               </a:effectLst>
             </p:spPr>
           </p:pic>
         </mc:Fallback>
       </mc:AlternateContent>
-      <mc:AlternateContent xmlns:mc="http://schemas.openxmlformats.org/markup-compatibility/2006">
-        <mc:Choice xmlns:pslz="http://schemas.microsoft.com/office/powerpoint/2016/slidezoom" Requires="pslz">
+      <mc:AlternateContent xmlns:mc="http://schemas.openxmlformats.org/markup-compatibility/2006" xmlns:pslz="http://schemas.microsoft.com/office/powerpoint/2016/slidezoom">
+        <mc:Choice Requires="pslz">
           <p:graphicFrame>
             <p:nvGraphicFramePr>
-              <p:cNvPr id="12" name="Slide Zoom 11">
+              <p:cNvPr id="18" name="Slide Zoom 17">
                 <a:extLst>
                   <a:ext uri="{FF2B5EF4-FFF2-40B4-BE49-F238E27FC236}">
-                    <a16:creationId xmlns:a16="http://schemas.microsoft.com/office/drawing/2014/main" id="{699FAA81-67A7-0F30-8DBC-9FA5C3519032}"/>
+                    <a16:creationId xmlns:a16="http://schemas.microsoft.com/office/drawing/2014/main" id="{E741E317-8A56-8D76-D91A-F3631DAF4EE2}"/>
                   </a:ext>
                 </a:extLst>
               </p:cNvPr>
@@ -3667,20 +3725,20 @@
               <p:nvPr>
                 <p:extLst>
                   <p:ext uri="{D42A27DB-BD31-4B8C-83A1-F6EECF244321}">
-                    <p14:modId xmlns:p14="http://schemas.microsoft.com/office/powerpoint/2010/main" val="3339907495"/>
+                    <p14:modId xmlns:p14="http://schemas.microsoft.com/office/powerpoint/2010/main" val="2817174830"/>
                   </p:ext>
                 </p:extLst>
               </p:nvPr>
             </p:nvGraphicFramePr>
             <p:xfrm>
-              <a:off x="4320000" y="4320000"/>
-              <a:ext cx="1440000" cy="1440000"/>
+              <a:off x="6480000" y="1890000"/>
+              <a:ext cx="2160191" cy="2160191"/>
             </p:xfrm>
             <a:graphic>
               <a:graphicData uri="http://schemas.microsoft.com/office/powerpoint/2016/slidezoom">
                 <pslz:sldZm>
-                  <pslz:sldZmObj sldId="256" cId="2091751467">
-                    <pslz:zmPr id="{DFAC8805-4774-5041-9064-8C2B6CC9B5A2}" returnToParent="0" transitionDur="1000" showBg="0">
+                  <pslz:sldZmObj sldId="256" cId="3218068108">
+                    <pslz:zmPr id="{D98D8967-8C29-9343-87C8-298B8849A0D5}" returnToParent="0" transitionDur="1000" showBg="0">
                       <p166:blipFill xmlns:p166="http://schemas.microsoft.com/office/powerpoint/2016/6/main">
                         <a:blip r:embed="rId10"/>
                         <a:stretch>
@@ -3690,14 +3748,14 @@
                       <p166:spPr xmlns:p166="http://schemas.microsoft.com/office/powerpoint/2016/6/main">
                         <a:xfrm>
                           <a:off x="0" y="0"/>
-                          <a:ext cx="1440000" cy="1440000"/>
+                          <a:ext cx="2160191" cy="2160191"/>
                         </a:xfrm>
                         <a:prstGeom prst="rect">
                           <a:avLst/>
                         </a:prstGeom>
                         <a:effectLst>
-                          <a:glow rad="12700">
-                            <a:srgbClr val="FFC000"/>
+                          <a:glow>
+                            <a:schemeClr val="tx1"/>
                           </a:glow>
                         </a:effectLst>
                       </p166:spPr>
@@ -3708,111 +3766,14 @@
             </a:graphic>
           </p:graphicFrame>
         </mc:Choice>
-        <mc:Fallback>
+        <mc:Fallback xmlns="">
           <p:pic>
             <p:nvPicPr>
-              <p:cNvPr id="12" name="Slide Zoom 11">
-                <a:hlinkClick r:id="rId3" action="ppaction://hlinksldjump"/>
+              <p:cNvPr id="18" name="Slide Zoom 17">
+                <a:hlinkClick r:id="rId4" action="ppaction://hlinksldjump"/>
                 <a:extLst>
                   <a:ext uri="{FF2B5EF4-FFF2-40B4-BE49-F238E27FC236}">
-                    <a16:creationId xmlns:a16="http://schemas.microsoft.com/office/drawing/2014/main" id="{699FAA81-67A7-0F30-8DBC-9FA5C3519032}"/>
-                  </a:ext>
-                </a:extLst>
-              </p:cNvPr>
-              <p:cNvPicPr>
-                <a:picLocks noGrp="1" noRot="1" noChangeAspect="1" noMove="1" noResize="1" noEditPoints="1" noAdjustHandles="1" noChangeArrowheads="1" noChangeShapeType="1"/>
-              </p:cNvPicPr>
-              <p:nvPr/>
-            </p:nvPicPr>
-            <p:blipFill>
-              <a:blip r:embed="rId10"/>
-              <a:stretch>
-                <a:fillRect/>
-              </a:stretch>
-            </p:blipFill>
-            <p:spPr>
-              <a:xfrm>
-                <a:off x="4320000" y="4320000"/>
-                <a:ext cx="1440000" cy="1440000"/>
-              </a:xfrm>
-              <a:prstGeom prst="rect">
-                <a:avLst/>
-              </a:prstGeom>
-              <a:effectLst>
-                <a:glow rad="12700">
-                  <a:srgbClr val="FFC000"/>
-                </a:glow>
-              </a:effectLst>
-            </p:spPr>
-          </p:pic>
-        </mc:Fallback>
-      </mc:AlternateContent>
-      <mc:AlternateContent xmlns:mc="http://schemas.openxmlformats.org/markup-compatibility/2006">
-        <mc:Choice xmlns:pslz="http://schemas.microsoft.com/office/powerpoint/2016/slidezoom" Requires="pslz">
-          <p:graphicFrame>
-            <p:nvGraphicFramePr>
-              <p:cNvPr id="2" name="Slide Zoom 1">
-                <a:extLst>
-                  <a:ext uri="{FF2B5EF4-FFF2-40B4-BE49-F238E27FC236}">
-                    <a16:creationId xmlns:a16="http://schemas.microsoft.com/office/drawing/2014/main" id="{34B31662-11E7-38DF-A078-8FC3295A10C7}"/>
-                  </a:ext>
-                </a:extLst>
-              </p:cNvPr>
-              <p:cNvGraphicFramePr>
-                <a:graphicFrameLocks noChangeAspect="1"/>
-              </p:cNvGraphicFramePr>
-              <p:nvPr>
-                <p:extLst>
-                  <p:ext uri="{D42A27DB-BD31-4B8C-83A1-F6EECF244321}">
-                    <p14:modId xmlns:p14="http://schemas.microsoft.com/office/powerpoint/2010/main" val="617089667"/>
-                  </p:ext>
-                </p:extLst>
-              </p:nvPr>
-            </p:nvGraphicFramePr>
-            <p:xfrm>
-              <a:off x="1980000" y="1980000"/>
-              <a:ext cx="2520000" cy="2520000"/>
-            </p:xfrm>
-            <a:graphic>
-              <a:graphicData uri="http://schemas.microsoft.com/office/powerpoint/2016/slidezoom">
-                <pslz:sldZm>
-                  <pslz:sldZmObj sldId="256" cId="2091751467">
-                    <pslz:zmPr id="{DFAC8805-4774-5041-9064-8C2B6CC9B5A2}" returnToParent="0" transitionDur="1000" showBg="0">
-                      <p166:blipFill xmlns:p166="http://schemas.microsoft.com/office/powerpoint/2016/6/main">
-                        <a:blip r:embed="rId11"/>
-                        <a:stretch>
-                          <a:fillRect/>
-                        </a:stretch>
-                      </p166:blipFill>
-                      <p166:spPr xmlns:p166="http://schemas.microsoft.com/office/powerpoint/2016/6/main">
-                        <a:xfrm>
-                          <a:off x="0" y="0"/>
-                          <a:ext cx="2520000" cy="2520000"/>
-                        </a:xfrm>
-                        <a:prstGeom prst="rect">
-                          <a:avLst/>
-                        </a:prstGeom>
-                        <a:effectLst>
-                          <a:glow rad="12700">
-                            <a:srgbClr val="FF0000"/>
-                          </a:glow>
-                        </a:effectLst>
-                      </p166:spPr>
-                    </pslz:zmPr>
-                  </pslz:sldZmObj>
-                </pslz:sldZm>
-              </a:graphicData>
-            </a:graphic>
-          </p:graphicFrame>
-        </mc:Choice>
-        <mc:Fallback>
-          <p:pic>
-            <p:nvPicPr>
-              <p:cNvPr id="2" name="Slide Zoom 1">
-                <a:hlinkClick r:id="rId3" action="ppaction://hlinksldjump"/>
-                <a:extLst>
-                  <a:ext uri="{FF2B5EF4-FFF2-40B4-BE49-F238E27FC236}">
-                    <a16:creationId xmlns:a16="http://schemas.microsoft.com/office/drawing/2014/main" id="{34B31662-11E7-38DF-A078-8FC3295A10C7}"/>
+                    <a16:creationId xmlns:a16="http://schemas.microsoft.com/office/drawing/2014/main" id="{E741E317-8A56-8D76-D91A-F3631DAF4EE2}"/>
                   </a:ext>
                 </a:extLst>
               </p:cNvPr>
@@ -3829,17 +3790,494 @@
             </p:blipFill>
             <p:spPr>
               <a:xfrm>
-                <a:off x="1980000" y="1980000"/>
-                <a:ext cx="2520000" cy="2520000"/>
+                <a:off x="6480000" y="1890000"/>
+                <a:ext cx="2160191" cy="2160191"/>
               </a:xfrm>
               <a:prstGeom prst="rect">
                 <a:avLst/>
               </a:prstGeom>
               <a:effectLst>
-                <a:glow rad="12700">
-                  <a:srgbClr val="FF0000"/>
+                <a:glow>
+                  <a:schemeClr val="tx1"/>
                 </a:glow>
               </a:effectLst>
+            </p:spPr>
+          </p:pic>
+        </mc:Fallback>
+      </mc:AlternateContent>
+      <mc:AlternateContent xmlns:mc="http://schemas.openxmlformats.org/markup-compatibility/2006" xmlns:pslz="http://schemas.microsoft.com/office/powerpoint/2016/slidezoom">
+        <mc:Choice Requires="pslz">
+          <p:graphicFrame>
+            <p:nvGraphicFramePr>
+              <p:cNvPr id="19" name="Slide Zoom 18">
+                <a:extLst>
+                  <a:ext uri="{FF2B5EF4-FFF2-40B4-BE49-F238E27FC236}">
+                    <a16:creationId xmlns:a16="http://schemas.microsoft.com/office/drawing/2014/main" id="{5D27FF98-A14B-E4B0-7DB0-1A3E07FD4777}"/>
+                  </a:ext>
+                </a:extLst>
+              </p:cNvPr>
+              <p:cNvGraphicFramePr>
+                <a:graphicFrameLocks noChangeAspect="1"/>
+              </p:cNvGraphicFramePr>
+              <p:nvPr>
+                <p:extLst>
+                  <p:ext uri="{D42A27DB-BD31-4B8C-83A1-F6EECF244321}">
+                    <p14:modId xmlns:p14="http://schemas.microsoft.com/office/powerpoint/2010/main" val="3587993264"/>
+                  </p:ext>
+                </p:extLst>
+              </p:nvPr>
+            </p:nvGraphicFramePr>
+            <p:xfrm>
+              <a:off x="4590000" y="6480000"/>
+              <a:ext cx="2160191" cy="2160191"/>
+            </p:xfrm>
+            <a:graphic>
+              <a:graphicData uri="http://schemas.microsoft.com/office/powerpoint/2016/slidezoom">
+                <pslz:sldZm>
+                  <pslz:sldZmObj sldId="256" cId="3218068108">
+                    <pslz:zmPr id="{D98D8967-8C29-9343-87C8-298B8849A0D5}" returnToParent="0" transitionDur="1000" showBg="0">
+                      <p166:blipFill xmlns:p166="http://schemas.microsoft.com/office/powerpoint/2016/6/main">
+                        <a:blip r:embed="rId12"/>
+                        <a:stretch>
+                          <a:fillRect/>
+                        </a:stretch>
+                      </p166:blipFill>
+                      <p166:spPr xmlns:p166="http://schemas.microsoft.com/office/powerpoint/2016/6/main">
+                        <a:xfrm>
+                          <a:off x="0" y="0"/>
+                          <a:ext cx="2160191" cy="2160191"/>
+                        </a:xfrm>
+                        <a:prstGeom prst="rect">
+                          <a:avLst/>
+                        </a:prstGeom>
+                        <a:effectLst>
+                          <a:glow>
+                            <a:schemeClr val="tx1"/>
+                          </a:glow>
+                        </a:effectLst>
+                      </p166:spPr>
+                    </pslz:zmPr>
+                  </pslz:sldZmObj>
+                </pslz:sldZm>
+              </a:graphicData>
+            </a:graphic>
+          </p:graphicFrame>
+        </mc:Choice>
+        <mc:Fallback xmlns="">
+          <p:pic>
+            <p:nvPicPr>
+              <p:cNvPr id="19" name="Slide Zoom 18">
+                <a:hlinkClick r:id="rId4" action="ppaction://hlinksldjump"/>
+                <a:extLst>
+                  <a:ext uri="{FF2B5EF4-FFF2-40B4-BE49-F238E27FC236}">
+                    <a16:creationId xmlns:a16="http://schemas.microsoft.com/office/drawing/2014/main" id="{5D27FF98-A14B-E4B0-7DB0-1A3E07FD4777}"/>
+                  </a:ext>
+                </a:extLst>
+              </p:cNvPr>
+              <p:cNvPicPr>
+                <a:picLocks noGrp="1" noRot="1" noChangeAspect="1" noMove="1" noResize="1" noEditPoints="1" noAdjustHandles="1" noChangeArrowheads="1" noChangeShapeType="1"/>
+              </p:cNvPicPr>
+              <p:nvPr/>
+            </p:nvPicPr>
+            <p:blipFill>
+              <a:blip r:embed="rId13"/>
+              <a:stretch>
+                <a:fillRect/>
+              </a:stretch>
+            </p:blipFill>
+            <p:spPr>
+              <a:xfrm>
+                <a:off x="4590000" y="6480000"/>
+                <a:ext cx="2160191" cy="2160191"/>
+              </a:xfrm>
+              <a:prstGeom prst="rect">
+                <a:avLst/>
+              </a:prstGeom>
+              <a:effectLst>
+                <a:glow>
+                  <a:schemeClr val="tx1"/>
+                </a:glow>
+              </a:effectLst>
+            </p:spPr>
+          </p:pic>
+        </mc:Fallback>
+      </mc:AlternateContent>
+      <mc:AlternateContent xmlns:mc="http://schemas.openxmlformats.org/markup-compatibility/2006" xmlns:pslz="http://schemas.microsoft.com/office/powerpoint/2016/slidezoom">
+        <mc:Choice Requires="pslz">
+          <p:graphicFrame>
+            <p:nvGraphicFramePr>
+              <p:cNvPr id="20" name="Slide Zoom 19">
+                <a:extLst>
+                  <a:ext uri="{FF2B5EF4-FFF2-40B4-BE49-F238E27FC236}">
+                    <a16:creationId xmlns:a16="http://schemas.microsoft.com/office/drawing/2014/main" id="{68FDCE7C-18B6-83CA-E56E-BCCBBE539AF6}"/>
+                  </a:ext>
+                </a:extLst>
+              </p:cNvPr>
+              <p:cNvGraphicFramePr>
+                <a:graphicFrameLocks noChangeAspect="1"/>
+              </p:cNvGraphicFramePr>
+              <p:nvPr>
+                <p:extLst>
+                  <p:ext uri="{D42A27DB-BD31-4B8C-83A1-F6EECF244321}">
+                    <p14:modId xmlns:p14="http://schemas.microsoft.com/office/powerpoint/2010/main" val="2552418477"/>
+                  </p:ext>
+                </p:extLst>
+              </p:nvPr>
+            </p:nvGraphicFramePr>
+            <p:xfrm>
+              <a:off x="0" y="4590000"/>
+              <a:ext cx="2160191" cy="2160191"/>
+            </p:xfrm>
+            <a:graphic>
+              <a:graphicData uri="http://schemas.microsoft.com/office/powerpoint/2016/slidezoom">
+                <pslz:sldZm>
+                  <pslz:sldZmObj sldId="256" cId="3218068108">
+                    <pslz:zmPr id="{D98D8967-8C29-9343-87C8-298B8849A0D5}" returnToParent="0" transitionDur="1000" showBg="0">
+                      <p166:blipFill xmlns:p166="http://schemas.microsoft.com/office/powerpoint/2016/6/main">
+                        <a:blip r:embed="rId14"/>
+                        <a:stretch>
+                          <a:fillRect/>
+                        </a:stretch>
+                      </p166:blipFill>
+                      <p166:spPr xmlns:p166="http://schemas.microsoft.com/office/powerpoint/2016/6/main">
+                        <a:xfrm>
+                          <a:off x="0" y="0"/>
+                          <a:ext cx="2160191" cy="2160191"/>
+                        </a:xfrm>
+                        <a:prstGeom prst="rect">
+                          <a:avLst/>
+                        </a:prstGeom>
+                        <a:effectLst>
+                          <a:glow>
+                            <a:schemeClr val="tx1"/>
+                          </a:glow>
+                        </a:effectLst>
+                      </p166:spPr>
+                    </pslz:zmPr>
+                  </pslz:sldZmObj>
+                </pslz:sldZm>
+              </a:graphicData>
+            </a:graphic>
+          </p:graphicFrame>
+        </mc:Choice>
+        <mc:Fallback xmlns="">
+          <p:pic>
+            <p:nvPicPr>
+              <p:cNvPr id="20" name="Slide Zoom 19">
+                <a:hlinkClick r:id="rId4" action="ppaction://hlinksldjump"/>
+                <a:extLst>
+                  <a:ext uri="{FF2B5EF4-FFF2-40B4-BE49-F238E27FC236}">
+                    <a16:creationId xmlns:a16="http://schemas.microsoft.com/office/drawing/2014/main" id="{68FDCE7C-18B6-83CA-E56E-BCCBBE539AF6}"/>
+                  </a:ext>
+                </a:extLst>
+              </p:cNvPr>
+              <p:cNvPicPr>
+                <a:picLocks noGrp="1" noRot="1" noChangeAspect="1" noMove="1" noResize="1" noEditPoints="1" noAdjustHandles="1" noChangeArrowheads="1" noChangeShapeType="1"/>
+              </p:cNvPicPr>
+              <p:nvPr/>
+            </p:nvPicPr>
+            <p:blipFill>
+              <a:blip r:embed="rId15"/>
+              <a:stretch>
+                <a:fillRect/>
+              </a:stretch>
+            </p:blipFill>
+            <p:spPr>
+              <a:xfrm>
+                <a:off x="0" y="4590000"/>
+                <a:ext cx="2160191" cy="2160191"/>
+              </a:xfrm>
+              <a:prstGeom prst="rect">
+                <a:avLst/>
+              </a:prstGeom>
+              <a:effectLst>
+                <a:glow>
+                  <a:schemeClr val="tx1"/>
+                </a:glow>
+              </a:effectLst>
+            </p:spPr>
+          </p:pic>
+        </mc:Fallback>
+      </mc:AlternateContent>
+      <mc:AlternateContent xmlns:mc="http://schemas.openxmlformats.org/markup-compatibility/2006" xmlns:pslz="http://schemas.microsoft.com/office/powerpoint/2016/slidezoom">
+        <mc:Choice Requires="pslz">
+          <p:graphicFrame>
+            <p:nvGraphicFramePr>
+              <p:cNvPr id="21" name="Slide Zoom 20">
+                <a:extLst>
+                  <a:ext uri="{FF2B5EF4-FFF2-40B4-BE49-F238E27FC236}">
+                    <a16:creationId xmlns:a16="http://schemas.microsoft.com/office/drawing/2014/main" id="{114F9FF7-C82A-07BF-9C7F-9392692D6C34}"/>
+                  </a:ext>
+                </a:extLst>
+              </p:cNvPr>
+              <p:cNvGraphicFramePr>
+                <a:graphicFrameLocks noChangeAspect="1"/>
+              </p:cNvGraphicFramePr>
+              <p:nvPr>
+                <p:extLst>
+                  <p:ext uri="{D42A27DB-BD31-4B8C-83A1-F6EECF244321}">
+                    <p14:modId xmlns:p14="http://schemas.microsoft.com/office/powerpoint/2010/main" val="1161824492"/>
+                  </p:ext>
+                </p:extLst>
+              </p:nvPr>
+            </p:nvGraphicFramePr>
+            <p:xfrm>
+              <a:off x="1890000" y="0"/>
+              <a:ext cx="2160191" cy="2160191"/>
+            </p:xfrm>
+            <a:graphic>
+              <a:graphicData uri="http://schemas.microsoft.com/office/powerpoint/2016/slidezoom">
+                <pslz:sldZm>
+                  <pslz:sldZmObj sldId="256" cId="3218068108">
+                    <pslz:zmPr id="{D98D8967-8C29-9343-87C8-298B8849A0D5}" returnToParent="0" transitionDur="1000" showBg="0">
+                      <p166:blipFill xmlns:p166="http://schemas.microsoft.com/office/powerpoint/2016/6/main">
+                        <a:blip r:embed="rId16"/>
+                        <a:stretch>
+                          <a:fillRect/>
+                        </a:stretch>
+                      </p166:blipFill>
+                      <p166:spPr xmlns:p166="http://schemas.microsoft.com/office/powerpoint/2016/6/main">
+                        <a:xfrm>
+                          <a:off x="0" y="0"/>
+                          <a:ext cx="2160191" cy="2160191"/>
+                        </a:xfrm>
+                        <a:prstGeom prst="rect">
+                          <a:avLst/>
+                        </a:prstGeom>
+                        <a:effectLst>
+                          <a:glow>
+                            <a:schemeClr val="tx1"/>
+                          </a:glow>
+                        </a:effectLst>
+                      </p166:spPr>
+                    </pslz:zmPr>
+                  </pslz:sldZmObj>
+                </pslz:sldZm>
+              </a:graphicData>
+            </a:graphic>
+          </p:graphicFrame>
+        </mc:Choice>
+        <mc:Fallback xmlns="">
+          <p:pic>
+            <p:nvPicPr>
+              <p:cNvPr id="21" name="Slide Zoom 20">
+                <a:hlinkClick r:id="rId4" action="ppaction://hlinksldjump"/>
+                <a:extLst>
+                  <a:ext uri="{FF2B5EF4-FFF2-40B4-BE49-F238E27FC236}">
+                    <a16:creationId xmlns:a16="http://schemas.microsoft.com/office/drawing/2014/main" id="{114F9FF7-C82A-07BF-9C7F-9392692D6C34}"/>
+                  </a:ext>
+                </a:extLst>
+              </p:cNvPr>
+              <p:cNvPicPr>
+                <a:picLocks noGrp="1" noRot="1" noChangeAspect="1" noMove="1" noResize="1" noEditPoints="1" noAdjustHandles="1" noChangeArrowheads="1" noChangeShapeType="1"/>
+              </p:cNvPicPr>
+              <p:nvPr/>
+            </p:nvPicPr>
+            <p:blipFill>
+              <a:blip r:embed="rId17"/>
+              <a:stretch>
+                <a:fillRect/>
+              </a:stretch>
+            </p:blipFill>
+            <p:spPr>
+              <a:xfrm>
+                <a:off x="1890000" y="0"/>
+                <a:ext cx="2160191" cy="2160191"/>
+              </a:xfrm>
+              <a:prstGeom prst="rect">
+                <a:avLst/>
+              </a:prstGeom>
+              <a:effectLst>
+                <a:glow>
+                  <a:schemeClr val="tx1"/>
+                </a:glow>
+              </a:effectLst>
+            </p:spPr>
+          </p:pic>
+        </mc:Fallback>
+      </mc:AlternateContent>
+      <mc:AlternateContent xmlns:mc="http://schemas.openxmlformats.org/markup-compatibility/2006" xmlns:pslz="http://schemas.microsoft.com/office/powerpoint/2016/slidezoom">
+        <mc:Choice Requires="pslz">
+          <p:graphicFrame>
+            <p:nvGraphicFramePr>
+              <p:cNvPr id="22" name="Slide Zoom 21">
+                <a:extLst>
+                  <a:ext uri="{FF2B5EF4-FFF2-40B4-BE49-F238E27FC236}">
+                    <a16:creationId xmlns:a16="http://schemas.microsoft.com/office/drawing/2014/main" id="{353291A1-D85C-6747-FC1F-5FBF2DB9EF92}"/>
+                  </a:ext>
+                </a:extLst>
+              </p:cNvPr>
+              <p:cNvGraphicFramePr>
+                <a:graphicFrameLocks noChangeAspect="1"/>
+              </p:cNvGraphicFramePr>
+              <p:nvPr>
+                <p:extLst>
+                  <p:ext uri="{D42A27DB-BD31-4B8C-83A1-F6EECF244321}">
+                    <p14:modId xmlns:p14="http://schemas.microsoft.com/office/powerpoint/2010/main" val="1684101782"/>
+                  </p:ext>
+                </p:extLst>
+              </p:nvPr>
+            </p:nvGraphicFramePr>
+            <p:xfrm>
+              <a:off x="4590000" y="0"/>
+              <a:ext cx="2160191" cy="2160191"/>
+            </p:xfrm>
+            <a:graphic>
+              <a:graphicData uri="http://schemas.microsoft.com/office/powerpoint/2016/slidezoom">
+                <pslz:sldZm>
+                  <pslz:sldZmObj sldId="256" cId="3218068108">
+                    <pslz:zmPr id="{D98D8967-8C29-9343-87C8-298B8849A0D5}" returnToParent="0" transitionDur="1000" showBg="0">
+                      <p166:blipFill xmlns:p166="http://schemas.microsoft.com/office/powerpoint/2016/6/main">
+                        <a:blip r:embed="rId18"/>
+                        <a:stretch>
+                          <a:fillRect/>
+                        </a:stretch>
+                      </p166:blipFill>
+                      <p166:spPr xmlns:p166="http://schemas.microsoft.com/office/powerpoint/2016/6/main">
+                        <a:xfrm>
+                          <a:off x="0" y="0"/>
+                          <a:ext cx="2160191" cy="2160191"/>
+                        </a:xfrm>
+                        <a:prstGeom prst="rect">
+                          <a:avLst/>
+                        </a:prstGeom>
+                        <a:effectLst>
+                          <a:glow>
+                            <a:schemeClr val="tx1"/>
+                          </a:glow>
+                        </a:effectLst>
+                      </p166:spPr>
+                    </pslz:zmPr>
+                  </pslz:sldZmObj>
+                </pslz:sldZm>
+              </a:graphicData>
+            </a:graphic>
+          </p:graphicFrame>
+        </mc:Choice>
+        <mc:Fallback xmlns="">
+          <p:pic>
+            <p:nvPicPr>
+              <p:cNvPr id="22" name="Slide Zoom 21">
+                <a:hlinkClick r:id="rId4" action="ppaction://hlinksldjump"/>
+                <a:extLst>
+                  <a:ext uri="{FF2B5EF4-FFF2-40B4-BE49-F238E27FC236}">
+                    <a16:creationId xmlns:a16="http://schemas.microsoft.com/office/drawing/2014/main" id="{353291A1-D85C-6747-FC1F-5FBF2DB9EF92}"/>
+                  </a:ext>
+                </a:extLst>
+              </p:cNvPr>
+              <p:cNvPicPr>
+                <a:picLocks noGrp="1" noRot="1" noChangeAspect="1" noMove="1" noResize="1" noEditPoints="1" noAdjustHandles="1" noChangeArrowheads="1" noChangeShapeType="1"/>
+              </p:cNvPicPr>
+              <p:nvPr/>
+            </p:nvPicPr>
+            <p:blipFill>
+              <a:blip r:embed="rId19"/>
+              <a:stretch>
+                <a:fillRect/>
+              </a:stretch>
+            </p:blipFill>
+            <p:spPr>
+              <a:xfrm>
+                <a:off x="4590000" y="0"/>
+                <a:ext cx="2160191" cy="2160191"/>
+              </a:xfrm>
+              <a:prstGeom prst="rect">
+                <a:avLst/>
+              </a:prstGeom>
+              <a:effectLst>
+                <a:glow>
+                  <a:schemeClr val="tx1"/>
+                </a:glow>
+              </a:effectLst>
+            </p:spPr>
+          </p:pic>
+        </mc:Fallback>
+      </mc:AlternateContent>
+      <mc:AlternateContent xmlns:mc="http://schemas.openxmlformats.org/markup-compatibility/2006" xmlns:pslz="http://schemas.microsoft.com/office/powerpoint/2016/slidezoom">
+        <mc:Choice Requires="pslz">
+          <p:graphicFrame>
+            <p:nvGraphicFramePr>
+              <p:cNvPr id="2" name="Slide Zoom 1">
+                <a:extLst>
+                  <a:ext uri="{FF2B5EF4-FFF2-40B4-BE49-F238E27FC236}">
+                    <a16:creationId xmlns:a16="http://schemas.microsoft.com/office/drawing/2014/main" id="{3FB388A2-81B7-4C1A-1B8C-E2C39DDA3BF9}"/>
+                  </a:ext>
+                </a:extLst>
+              </p:cNvPr>
+              <p:cNvGraphicFramePr>
+                <a:graphicFrameLocks noChangeAspect="1"/>
+              </p:cNvGraphicFramePr>
+              <p:nvPr>
+                <p:extLst>
+                  <p:ext uri="{D42A27DB-BD31-4B8C-83A1-F6EECF244321}">
+                    <p14:modId xmlns:p14="http://schemas.microsoft.com/office/powerpoint/2010/main" val="665460910"/>
+                  </p:ext>
+                </p:extLst>
+              </p:nvPr>
+            </p:nvGraphicFramePr>
+            <p:xfrm>
+              <a:off x="2160381" y="2160000"/>
+              <a:ext cx="4320000" cy="4320000"/>
+            </p:xfrm>
+            <a:graphic>
+              <a:graphicData uri="http://schemas.microsoft.com/office/powerpoint/2016/slidezoom">
+                <pslz:sldZm>
+                  <pslz:sldZmObj sldId="256" cId="3218068108">
+                    <pslz:zmPr id="{D98D8967-8C29-9343-87C8-298B8849A0D5}" returnToParent="0" transitionDur="1000" showBg="0">
+                      <p166:blipFill xmlns:p166="http://schemas.microsoft.com/office/powerpoint/2016/6/main">
+                        <a:blip r:embed="rId20"/>
+                        <a:stretch>
+                          <a:fillRect/>
+                        </a:stretch>
+                      </p166:blipFill>
+                      <p166:spPr xmlns:p166="http://schemas.microsoft.com/office/powerpoint/2016/6/main">
+                        <a:xfrm>
+                          <a:off x="0" y="0"/>
+                          <a:ext cx="4320000" cy="4320000"/>
+                        </a:xfrm>
+                        <a:prstGeom prst="rect">
+                          <a:avLst/>
+                        </a:prstGeom>
+                        <a:effectLst/>
+                      </p166:spPr>
+                    </pslz:zmPr>
+                  </pslz:sldZmObj>
+                </pslz:sldZm>
+              </a:graphicData>
+            </a:graphic>
+          </p:graphicFrame>
+        </mc:Choice>
+        <mc:Fallback xmlns="">
+          <p:pic>
+            <p:nvPicPr>
+              <p:cNvPr id="2" name="Slide Zoom 1">
+                <a:hlinkClick r:id="rId4" action="ppaction://hlinksldjump"/>
+                <a:extLst>
+                  <a:ext uri="{FF2B5EF4-FFF2-40B4-BE49-F238E27FC236}">
+                    <a16:creationId xmlns:a16="http://schemas.microsoft.com/office/drawing/2014/main" id="{3FB388A2-81B7-4C1A-1B8C-E2C39DDA3BF9}"/>
+                  </a:ext>
+                </a:extLst>
+              </p:cNvPr>
+              <p:cNvPicPr>
+                <a:picLocks noGrp="1" noRot="1" noChangeAspect="1" noMove="1" noResize="1" noEditPoints="1" noAdjustHandles="1" noChangeArrowheads="1" noChangeShapeType="1"/>
+              </p:cNvPicPr>
+              <p:nvPr/>
+            </p:nvPicPr>
+            <p:blipFill>
+              <a:blip r:embed="rId21"/>
+              <a:stretch>
+                <a:fillRect/>
+              </a:stretch>
+            </p:blipFill>
+            <p:spPr>
+              <a:xfrm>
+                <a:off x="2160381" y="2160000"/>
+                <a:ext cx="4320000" cy="4320000"/>
+              </a:xfrm>
+              <a:prstGeom prst="rect">
+                <a:avLst/>
+              </a:prstGeom>
+              <a:effectLst/>
             </p:spPr>
           </p:pic>
         </mc:Fallback>
@@ -3847,7 +4285,7 @@
     </p:spTree>
     <p:extLst>
       <p:ext uri="{BB962C8B-B14F-4D97-AF65-F5344CB8AC3E}">
-        <p14:creationId xmlns:p14="http://schemas.microsoft.com/office/powerpoint/2010/main" val="2091751467"/>
+        <p14:creationId xmlns:p14="http://schemas.microsoft.com/office/powerpoint/2010/main" val="3218068108"/>
       </p:ext>
     </p:extLst>
   </p:cSld>
@@ -4118,6 +4556,301 @@
 </a:theme>
 </file>
 
+<file path=ppt/theme/theme2.xml><?xml version="1.0" encoding="utf-8"?>
+<a:theme xmlns:a="http://schemas.openxmlformats.org/drawingml/2006/main" name="Office Theme">
+  <a:themeElements>
+    <a:clrScheme name="Office">
+      <a:dk1>
+        <a:sysClr val="windowText" lastClr="000000"/>
+      </a:dk1>
+      <a:lt1>
+        <a:sysClr val="window" lastClr="FFFFFF"/>
+      </a:lt1>
+      <a:dk2>
+        <a:srgbClr val="44546A"/>
+      </a:dk2>
+      <a:lt2>
+        <a:srgbClr val="E7E6E6"/>
+      </a:lt2>
+      <a:accent1>
+        <a:srgbClr val="4472C4"/>
+      </a:accent1>
+      <a:accent2>
+        <a:srgbClr val="ED7D31"/>
+      </a:accent2>
+      <a:accent3>
+        <a:srgbClr val="A5A5A5"/>
+      </a:accent3>
+      <a:accent4>
+        <a:srgbClr val="FFC000"/>
+      </a:accent4>
+      <a:accent5>
+        <a:srgbClr val="5B9BD5"/>
+      </a:accent5>
+      <a:accent6>
+        <a:srgbClr val="70AD47"/>
+      </a:accent6>
+      <a:hlink>
+        <a:srgbClr val="0563C1"/>
+      </a:hlink>
+      <a:folHlink>
+        <a:srgbClr val="954F72"/>
+      </a:folHlink>
+    </a:clrScheme>
+    <a:fontScheme name="Office">
+      <a:majorFont>
+        <a:latin typeface="Calibri Light" panose="020F0302020204030204"/>
+        <a:ea typeface=""/>
+        <a:cs typeface=""/>
+        <a:font script="Jpan" typeface="游ゴシック Light"/>
+        <a:font script="Hang" typeface="맑은 고딕"/>
+        <a:font script="Hans" typeface="等线 Light"/>
+        <a:font script="Hant" typeface="新細明體"/>
+        <a:font script="Arab" typeface="Times New Roman"/>
+        <a:font script="Hebr" typeface="Times New Roman"/>
+        <a:font script="Thai" typeface="Angsana New"/>
+        <a:font script="Ethi" typeface="Nyala"/>
+        <a:font script="Beng" typeface="Vrinda"/>
+        <a:font script="Gujr" typeface="Shruti"/>
+        <a:font script="Khmr" typeface="MoolBoran"/>
+        <a:font script="Knda" typeface="Tunga"/>
+        <a:font script="Guru" typeface="Raavi"/>
+        <a:font script="Cans" typeface="Euphemia"/>
+        <a:font script="Cher" typeface="Plantagenet Cherokee"/>
+        <a:font script="Yiii" typeface="Microsoft Yi Baiti"/>
+        <a:font script="Tibt" typeface="Microsoft Himalaya"/>
+        <a:font script="Thaa" typeface="MV Boli"/>
+        <a:font script="Deva" typeface="Mangal"/>
+        <a:font script="Telu" typeface="Gautami"/>
+        <a:font script="Taml" typeface="Latha"/>
+        <a:font script="Syrc" typeface="Estrangelo Edessa"/>
+        <a:font script="Orya" typeface="Kalinga"/>
+        <a:font script="Mlym" typeface="Kartika"/>
+        <a:font script="Laoo" typeface="DokChampa"/>
+        <a:font script="Sinh" typeface="Iskoola Pota"/>
+        <a:font script="Mong" typeface="Mongolian Baiti"/>
+        <a:font script="Viet" typeface="Times New Roman"/>
+        <a:font script="Uigh" typeface="Microsoft Uighur"/>
+        <a:font script="Geor" typeface="Sylfaen"/>
+        <a:font script="Armn" typeface="Arial"/>
+        <a:font script="Bugi" typeface="Leelawadee UI"/>
+        <a:font script="Bopo" typeface="Microsoft JhengHei"/>
+        <a:font script="Java" typeface="Javanese Text"/>
+        <a:font script="Lisu" typeface="Segoe UI"/>
+        <a:font script="Mymr" typeface="Myanmar Text"/>
+        <a:font script="Nkoo" typeface="Ebrima"/>
+        <a:font script="Olck" typeface="Nirmala UI"/>
+        <a:font script="Osma" typeface="Ebrima"/>
+        <a:font script="Phag" typeface="Phagspa"/>
+        <a:font script="Syrn" typeface="Estrangelo Edessa"/>
+        <a:font script="Syrj" typeface="Estrangelo Edessa"/>
+        <a:font script="Syre" typeface="Estrangelo Edessa"/>
+        <a:font script="Sora" typeface="Nirmala UI"/>
+        <a:font script="Tale" typeface="Microsoft Tai Le"/>
+        <a:font script="Talu" typeface="Microsoft New Tai Lue"/>
+        <a:font script="Tfng" typeface="Ebrima"/>
+      </a:majorFont>
+      <a:minorFont>
+        <a:latin typeface="Calibri" panose="020F0502020204030204"/>
+        <a:ea typeface=""/>
+        <a:cs typeface=""/>
+        <a:font script="Jpan" typeface="游ゴシック"/>
+        <a:font script="Hang" typeface="맑은 고딕"/>
+        <a:font script="Hans" typeface="等线"/>
+        <a:font script="Hant" typeface="新細明體"/>
+        <a:font script="Arab" typeface="Arial"/>
+        <a:font script="Hebr" typeface="Arial"/>
+        <a:font script="Thai" typeface="Cordia New"/>
+        <a:font script="Ethi" typeface="Nyala"/>
+        <a:font script="Beng" typeface="Vrinda"/>
+        <a:font script="Gujr" typeface="Shruti"/>
+        <a:font script="Khmr" typeface="DaunPenh"/>
+        <a:font script="Knda" typeface="Tunga"/>
+        <a:font script="Guru" typeface="Raavi"/>
+        <a:font script="Cans" typeface="Euphemia"/>
+        <a:font script="Cher" typeface="Plantagenet Cherokee"/>
+        <a:font script="Yiii" typeface="Microsoft Yi Baiti"/>
+        <a:font script="Tibt" typeface="Microsoft Himalaya"/>
+        <a:font script="Thaa" typeface="MV Boli"/>
+        <a:font script="Deva" typeface="Mangal"/>
+        <a:font script="Telu" typeface="Gautami"/>
+        <a:font script="Taml" typeface="Latha"/>
+        <a:font script="Syrc" typeface="Estrangelo Edessa"/>
+        <a:font script="Orya" typeface="Kalinga"/>
+        <a:font script="Mlym" typeface="Kartika"/>
+        <a:font script="Laoo" typeface="DokChampa"/>
+        <a:font script="Sinh" typeface="Iskoola Pota"/>
+        <a:font script="Mong" typeface="Mongolian Baiti"/>
+        <a:font script="Viet" typeface="Arial"/>
+        <a:font script="Uigh" typeface="Microsoft Uighur"/>
+        <a:font script="Geor" typeface="Sylfaen"/>
+        <a:font script="Armn" typeface="Arial"/>
+        <a:font script="Bugi" typeface="Leelawadee UI"/>
+        <a:font script="Bopo" typeface="Microsoft JhengHei"/>
+        <a:font script="Java" typeface="Javanese Text"/>
+        <a:font script="Lisu" typeface="Segoe UI"/>
+        <a:font script="Mymr" typeface="Myanmar Text"/>
+        <a:font script="Nkoo" typeface="Ebrima"/>
+        <a:font script="Olck" typeface="Nirmala UI"/>
+        <a:font script="Osma" typeface="Ebrima"/>
+        <a:font script="Phag" typeface="Phagspa"/>
+        <a:font script="Syrn" typeface="Estrangelo Edessa"/>
+        <a:font script="Syrj" typeface="Estrangelo Edessa"/>
+        <a:font script="Syre" typeface="Estrangelo Edessa"/>
+        <a:font script="Sora" typeface="Nirmala UI"/>
+        <a:font script="Tale" typeface="Microsoft Tai Le"/>
+        <a:font script="Talu" typeface="Microsoft New Tai Lue"/>
+        <a:font script="Tfng" typeface="Ebrima"/>
+      </a:minorFont>
+    </a:fontScheme>
+    <a:fmtScheme name="Office">
+      <a:fillStyleLst>
+        <a:solidFill>
+          <a:schemeClr val="phClr"/>
+        </a:solidFill>
+        <a:gradFill rotWithShape="1">
+          <a:gsLst>
+            <a:gs pos="0">
+              <a:schemeClr val="phClr">
+                <a:lumMod val="110000"/>
+                <a:satMod val="105000"/>
+                <a:tint val="67000"/>
+              </a:schemeClr>
+            </a:gs>
+            <a:gs pos="50000">
+              <a:schemeClr val="phClr">
+                <a:lumMod val="105000"/>
+                <a:satMod val="103000"/>
+                <a:tint val="73000"/>
+              </a:schemeClr>
+            </a:gs>
+            <a:gs pos="100000">
+              <a:schemeClr val="phClr">
+                <a:lumMod val="105000"/>
+                <a:satMod val="109000"/>
+                <a:tint val="81000"/>
+              </a:schemeClr>
+            </a:gs>
+          </a:gsLst>
+          <a:lin ang="5400000" scaled="0"/>
+        </a:gradFill>
+        <a:gradFill rotWithShape="1">
+          <a:gsLst>
+            <a:gs pos="0">
+              <a:schemeClr val="phClr">
+                <a:satMod val="103000"/>
+                <a:lumMod val="102000"/>
+                <a:tint val="94000"/>
+              </a:schemeClr>
+            </a:gs>
+            <a:gs pos="50000">
+              <a:schemeClr val="phClr">
+                <a:satMod val="110000"/>
+                <a:lumMod val="100000"/>
+                <a:shade val="100000"/>
+              </a:schemeClr>
+            </a:gs>
+            <a:gs pos="100000">
+              <a:schemeClr val="phClr">
+                <a:lumMod val="99000"/>
+                <a:satMod val="120000"/>
+                <a:shade val="78000"/>
+              </a:schemeClr>
+            </a:gs>
+          </a:gsLst>
+          <a:lin ang="5400000" scaled="0"/>
+        </a:gradFill>
+      </a:fillStyleLst>
+      <a:lnStyleLst>
+        <a:ln w="6350" cap="flat" cmpd="sng" algn="ctr">
+          <a:solidFill>
+            <a:schemeClr val="phClr"/>
+          </a:solidFill>
+          <a:prstDash val="solid"/>
+          <a:miter lim="800000"/>
+        </a:ln>
+        <a:ln w="12700" cap="flat" cmpd="sng" algn="ctr">
+          <a:solidFill>
+            <a:schemeClr val="phClr"/>
+          </a:solidFill>
+          <a:prstDash val="solid"/>
+          <a:miter lim="800000"/>
+        </a:ln>
+        <a:ln w="19050" cap="flat" cmpd="sng" algn="ctr">
+          <a:solidFill>
+            <a:schemeClr val="phClr"/>
+          </a:solidFill>
+          <a:prstDash val="solid"/>
+          <a:miter lim="800000"/>
+        </a:ln>
+      </a:lnStyleLst>
+      <a:effectStyleLst>
+        <a:effectStyle>
+          <a:effectLst/>
+        </a:effectStyle>
+        <a:effectStyle>
+          <a:effectLst/>
+        </a:effectStyle>
+        <a:effectStyle>
+          <a:effectLst>
+            <a:outerShdw blurRad="57150" dist="19050" dir="5400000" algn="ctr" rotWithShape="0">
+              <a:srgbClr val="000000">
+                <a:alpha val="63000"/>
+              </a:srgbClr>
+            </a:outerShdw>
+          </a:effectLst>
+        </a:effectStyle>
+      </a:effectStyleLst>
+      <a:bgFillStyleLst>
+        <a:solidFill>
+          <a:schemeClr val="phClr"/>
+        </a:solidFill>
+        <a:solidFill>
+          <a:schemeClr val="phClr">
+            <a:tint val="95000"/>
+            <a:satMod val="170000"/>
+          </a:schemeClr>
+        </a:solidFill>
+        <a:gradFill rotWithShape="1">
+          <a:gsLst>
+            <a:gs pos="0">
+              <a:schemeClr val="phClr">
+                <a:tint val="93000"/>
+                <a:satMod val="150000"/>
+                <a:shade val="98000"/>
+                <a:lumMod val="102000"/>
+              </a:schemeClr>
+            </a:gs>
+            <a:gs pos="50000">
+              <a:schemeClr val="phClr">
+                <a:tint val="98000"/>
+                <a:satMod val="130000"/>
+                <a:shade val="90000"/>
+                <a:lumMod val="103000"/>
+              </a:schemeClr>
+            </a:gs>
+            <a:gs pos="100000">
+              <a:schemeClr val="phClr">
+                <a:shade val="63000"/>
+                <a:satMod val="120000"/>
+              </a:schemeClr>
+            </a:gs>
+          </a:gsLst>
+          <a:lin ang="5400000" scaled="0"/>
+        </a:gradFill>
+      </a:bgFillStyleLst>
+    </a:fmtScheme>
+  </a:themeElements>
+  <a:objectDefaults/>
+  <a:extraClrSchemeLst/>
+  <a:extLst>
+    <a:ext uri="{05A4C25C-085E-4340-85A3-A5531E510DB2}">
+      <thm15:themeFamily xmlns:thm15="http://schemas.microsoft.com/office/thememl/2012/main" name="Office Theme" id="{62F939B6-93AF-4DB8-9C6B-D6C7DFDC589F}" vid="{4A3C46E8-61CC-4603-A589-7422A47A8E4A}"/>
+    </a:ext>
+  </a:extLst>
+</a:theme>
+</file>
+
 <file path=docMetadata/LabelInfo.xml><?xml version="1.0" encoding="utf-8"?>
 <clbl:labelList xmlns:clbl="http://schemas.microsoft.com/office/2020/mipLabelMetadata">
   <clbl:label id="{f42aa342-8706-4288-bd11-ebb85995028c}" enabled="1" method="Standard" siteId="{72f988bf-86f1-41af-91ab-2d7cd011db47}" contentBits="0" removed="0"/>

--- a/docs/assets/fractals/plants/flower.pptx
+++ b/docs/assets/fractals/plants/flower.pptx
@@ -197,7 +197,7 @@
           <a:p>
             <a:fld id="{E9D213C8-AA20-A142-9D5D-A4E0DE35CCBE}" type="datetimeFigureOut">
               <a:rPr lang="en-GB" smtClean="0"/>
-              <a:t>10/11/2024</a:t>
+              <a:t>16/11/2024</a:t>
             </a:fld>
             <a:endParaRPr lang="en-GB"/>
           </a:p>
@@ -679,7 +679,7 @@
           <a:p>
             <a:fld id="{DBC211FB-220A-394A-90E0-58F6C6FB99B4}" type="datetimeFigureOut">
               <a:rPr lang="en-GB" smtClean="0"/>
-              <a:t>10/11/2024</a:t>
+              <a:t>16/11/2024</a:t>
             </a:fld>
             <a:endParaRPr lang="en-GB"/>
           </a:p>
@@ -849,7 +849,7 @@
           <a:p>
             <a:fld id="{DBC211FB-220A-394A-90E0-58F6C6FB99B4}" type="datetimeFigureOut">
               <a:rPr lang="en-GB" smtClean="0"/>
-              <a:t>10/11/2024</a:t>
+              <a:t>16/11/2024</a:t>
             </a:fld>
             <a:endParaRPr lang="en-GB"/>
           </a:p>
@@ -1029,7 +1029,7 @@
           <a:p>
             <a:fld id="{DBC211FB-220A-394A-90E0-58F6C6FB99B4}" type="datetimeFigureOut">
               <a:rPr lang="en-GB" smtClean="0"/>
-              <a:t>10/11/2024</a:t>
+              <a:t>16/11/2024</a:t>
             </a:fld>
             <a:endParaRPr lang="en-GB"/>
           </a:p>
@@ -1199,7 +1199,7 @@
           <a:p>
             <a:fld id="{DBC211FB-220A-394A-90E0-58F6C6FB99B4}" type="datetimeFigureOut">
               <a:rPr lang="en-GB" smtClean="0"/>
-              <a:t>10/11/2024</a:t>
+              <a:t>16/11/2024</a:t>
             </a:fld>
             <a:endParaRPr lang="en-GB"/>
           </a:p>
@@ -1443,7 +1443,7 @@
           <a:p>
             <a:fld id="{DBC211FB-220A-394A-90E0-58F6C6FB99B4}" type="datetimeFigureOut">
               <a:rPr lang="en-GB" smtClean="0"/>
-              <a:t>10/11/2024</a:t>
+              <a:t>16/11/2024</a:t>
             </a:fld>
             <a:endParaRPr lang="en-GB"/>
           </a:p>
@@ -1675,7 +1675,7 @@
           <a:p>
             <a:fld id="{DBC211FB-220A-394A-90E0-58F6C6FB99B4}" type="datetimeFigureOut">
               <a:rPr lang="en-GB" smtClean="0"/>
-              <a:t>10/11/2024</a:t>
+              <a:t>16/11/2024</a:t>
             </a:fld>
             <a:endParaRPr lang="en-GB"/>
           </a:p>
@@ -2042,7 +2042,7 @@
           <a:p>
             <a:fld id="{DBC211FB-220A-394A-90E0-58F6C6FB99B4}" type="datetimeFigureOut">
               <a:rPr lang="en-GB" smtClean="0"/>
-              <a:t>10/11/2024</a:t>
+              <a:t>16/11/2024</a:t>
             </a:fld>
             <a:endParaRPr lang="en-GB"/>
           </a:p>
@@ -2160,7 +2160,7 @@
           <a:p>
             <a:fld id="{DBC211FB-220A-394A-90E0-58F6C6FB99B4}" type="datetimeFigureOut">
               <a:rPr lang="en-GB" smtClean="0"/>
-              <a:t>10/11/2024</a:t>
+              <a:t>16/11/2024</a:t>
             </a:fld>
             <a:endParaRPr lang="en-GB"/>
           </a:p>
@@ -2255,7 +2255,7 @@
           <a:p>
             <a:fld id="{DBC211FB-220A-394A-90E0-58F6C6FB99B4}" type="datetimeFigureOut">
               <a:rPr lang="en-GB" smtClean="0"/>
-              <a:t>10/11/2024</a:t>
+              <a:t>16/11/2024</a:t>
             </a:fld>
             <a:endParaRPr lang="en-GB"/>
           </a:p>
@@ -2532,7 +2532,7 @@
           <a:p>
             <a:fld id="{DBC211FB-220A-394A-90E0-58F6C6FB99B4}" type="datetimeFigureOut">
               <a:rPr lang="en-GB" smtClean="0"/>
-              <a:t>10/11/2024</a:t>
+              <a:t>16/11/2024</a:t>
             </a:fld>
             <a:endParaRPr lang="en-GB"/>
           </a:p>
@@ -2789,7 +2789,7 @@
           <a:p>
             <a:fld id="{DBC211FB-220A-394A-90E0-58F6C6FB99B4}" type="datetimeFigureOut">
               <a:rPr lang="en-GB" smtClean="0"/>
-              <a:t>10/11/2024</a:t>
+              <a:t>16/11/2024</a:t>
             </a:fld>
             <a:endParaRPr lang="en-GB"/>
           </a:p>
@@ -3002,7 +3002,7 @@
           <a:p>
             <a:fld id="{DBC211FB-220A-394A-90E0-58F6C6FB99B4}" type="datetimeFigureOut">
               <a:rPr lang="en-GB" smtClean="0"/>
-              <a:t>10/11/2024</a:t>
+              <a:t>16/11/2024</a:t>
             </a:fld>
             <a:endParaRPr lang="en-GB"/>
           </a:p>
@@ -3396,9 +3396,7 @@
     <p:bg>
       <p:bgPr>
         <a:solidFill>
-          <a:schemeClr val="bg1">
-            <a:alpha val="25000"/>
-          </a:schemeClr>
+          <a:schemeClr val="tx1"/>
         </a:solidFill>
         <a:effectLst/>
       </p:bgPr>
